--- a/Documentation/Class Presentations/Design Presentation/AWTY - Design Presentation.pptx
+++ b/Documentation/Class Presentations/Design Presentation/AWTY - Design Presentation.pptx
@@ -5,7 +5,7 @@
     <p:sldMasterId id="2147483648" r:id="rId1"/>
   </p:sldMasterIdLst>
   <p:notesMasterIdLst>
-    <p:notesMasterId r:id="rId26"/>
+    <p:notesMasterId r:id="rId27"/>
   </p:notesMasterIdLst>
   <p:sldIdLst>
     <p:sldId id="256" r:id="rId2"/>
@@ -32,6 +32,7 @@
     <p:sldId id="272" r:id="rId23"/>
     <p:sldId id="273" r:id="rId24"/>
     <p:sldId id="264" r:id="rId25"/>
+    <p:sldId id="281" r:id="rId26"/>
   </p:sldIdLst>
   <p:sldSz cx="12192000" cy="6858000"/>
   <p:notesSz cx="6858000" cy="9144000"/>
@@ -175,9 +176,13 @@
         <p14:section name="Video" id="{2114A0CC-77A8-4EE6-BC04-BC1DA7CB0F02}">
           <p14:sldIdLst>
             <p14:sldId id="264"/>
+            <p14:sldId id="281"/>
           </p14:sldIdLst>
         </p14:section>
       </p14:sectionLst>
+    </p:ext>
+    <p:ext uri="{EFAFB233-063F-42B5-8137-9DF3F51BA10A}">
+      <p15:sldGuideLst xmlns:p15="http://schemas.microsoft.com/office/powerpoint/2012/main"/>
     </p:ext>
   </p:extLst>
 </p:presentation>
@@ -6568,6 +6573,13 @@
   <p:clrMapOvr>
     <a:masterClrMapping/>
   </p:clrMapOvr>
+  <p:timing>
+    <p:tnLst>
+      <p:par>
+        <p:cTn id="1" dur="indefinite" restart="never" nodeType="tmRoot"/>
+      </p:par>
+    </p:tnLst>
+  </p:timing>
 </p:sld>
 </file>
 
@@ -6691,6 +6703,13 @@
   <p:clrMapOvr>
     <a:masterClrMapping/>
   </p:clrMapOvr>
+  <p:timing>
+    <p:tnLst>
+      <p:par>
+        <p:cTn id="1" dur="indefinite" restart="never" nodeType="tmRoot"/>
+      </p:par>
+    </p:tnLst>
+  </p:timing>
 </p:sld>
 </file>
 
@@ -6834,6 +6853,13 @@
   <p:clrMapOvr>
     <a:masterClrMapping/>
   </p:clrMapOvr>
+  <p:timing>
+    <p:tnLst>
+      <p:par>
+        <p:cTn id="1" dur="indefinite" restart="never" nodeType="tmRoot"/>
+      </p:par>
+    </p:tnLst>
+  </p:timing>
 </p:sld>
 </file>
 
@@ -6942,6 +6968,13 @@
   <p:clrMapOvr>
     <a:masterClrMapping/>
   </p:clrMapOvr>
+  <p:timing>
+    <p:tnLst>
+      <p:par>
+        <p:cTn id="1" dur="indefinite" restart="never" nodeType="tmRoot"/>
+      </p:par>
+    </p:tnLst>
+  </p:timing>
 </p:sld>
 </file>
 
@@ -7037,6 +7070,13 @@
   <p:clrMapOvr>
     <a:masterClrMapping/>
   </p:clrMapOvr>
+  <p:timing>
+    <p:tnLst>
+      <p:par>
+        <p:cTn id="1" dur="indefinite" restart="never" nodeType="tmRoot"/>
+      </p:par>
+    </p:tnLst>
+  </p:timing>
 </p:sld>
 </file>
 
@@ -7167,6 +7207,13 @@
   <p:clrMapOvr>
     <a:masterClrMapping/>
   </p:clrMapOvr>
+  <p:timing>
+    <p:tnLst>
+      <p:par>
+        <p:cTn id="1" dur="indefinite" restart="never" nodeType="tmRoot"/>
+      </p:par>
+    </p:tnLst>
+  </p:timing>
 </p:sld>
 </file>
 
@@ -7285,6 +7332,13 @@
   <p:clrMapOvr>
     <a:masterClrMapping/>
   </p:clrMapOvr>
+  <p:timing>
+    <p:tnLst>
+      <p:par>
+        <p:cTn id="1" dur="indefinite" restart="never" nodeType="tmRoot"/>
+      </p:par>
+    </p:tnLst>
+  </p:timing>
 </p:sld>
 </file>
 
@@ -7403,6 +7457,13 @@
   <p:clrMapOvr>
     <a:masterClrMapping/>
   </p:clrMapOvr>
+  <p:timing>
+    <p:tnLst>
+      <p:par>
+        <p:cTn id="1" dur="indefinite" restart="never" nodeType="tmRoot"/>
+      </p:par>
+    </p:tnLst>
+  </p:timing>
 </p:sld>
 </file>
 
@@ -7521,6 +7582,13 @@
   <p:clrMapOvr>
     <a:masterClrMapping/>
   </p:clrMapOvr>
+  <p:timing>
+    <p:tnLst>
+      <p:par>
+        <p:cTn id="1" dur="indefinite" restart="never" nodeType="tmRoot"/>
+      </p:par>
+    </p:tnLst>
+  </p:timing>
 </p:sld>
 </file>
 
@@ -7616,6 +7684,13 @@
   <p:clrMapOvr>
     <a:masterClrMapping/>
   </p:clrMapOvr>
+  <p:timing>
+    <p:tnLst>
+      <p:par>
+        <p:cTn id="1" dur="indefinite" restart="never" nodeType="tmRoot"/>
+      </p:par>
+    </p:tnLst>
+  </p:timing>
 </p:sld>
 </file>
 
@@ -7724,6 +7799,13 @@
   <p:clrMapOvr>
     <a:masterClrMapping/>
   </p:clrMapOvr>
+  <p:timing>
+    <p:tnLst>
+      <p:par>
+        <p:cTn id="1" dur="indefinite" restart="never" nodeType="tmRoot"/>
+      </p:par>
+    </p:tnLst>
+  </p:timing>
 </p:sld>
 </file>
 
@@ -7867,6 +7949,13 @@
   <p:clrMapOvr>
     <a:masterClrMapping/>
   </p:clrMapOvr>
+  <p:timing>
+    <p:tnLst>
+      <p:par>
+        <p:cTn id="1" dur="indefinite" restart="never" nodeType="tmRoot"/>
+      </p:par>
+    </p:tnLst>
+  </p:timing>
 </p:sld>
 </file>
 
@@ -7962,6 +8051,13 @@
   <p:clrMapOvr>
     <a:masterClrMapping/>
   </p:clrMapOvr>
+  <p:timing>
+    <p:tnLst>
+      <p:par>
+        <p:cTn id="1" dur="indefinite" restart="never" nodeType="tmRoot"/>
+      </p:par>
+    </p:tnLst>
+  </p:timing>
 </p:sld>
 </file>
 
@@ -8080,6 +8176,13 @@
   <p:clrMapOvr>
     <a:masterClrMapping/>
   </p:clrMapOvr>
+  <p:timing>
+    <p:tnLst>
+      <p:par>
+        <p:cTn id="1" dur="indefinite" restart="never" nodeType="tmRoot"/>
+      </p:par>
+    </p:tnLst>
+  </p:timing>
 </p:sld>
 </file>
 
@@ -8198,6 +8301,13 @@
   <p:clrMapOvr>
     <a:masterClrMapping/>
   </p:clrMapOvr>
+  <p:timing>
+    <p:tnLst>
+      <p:par>
+        <p:cTn id="1" dur="indefinite" restart="never" nodeType="tmRoot"/>
+      </p:par>
+    </p:tnLst>
+  </p:timing>
 </p:sld>
 </file>
 
@@ -8316,6 +8426,13 @@
   <p:clrMapOvr>
     <a:masterClrMapping/>
   </p:clrMapOvr>
+  <p:timing>
+    <p:tnLst>
+      <p:par>
+        <p:cTn id="1" dur="indefinite" restart="never" nodeType="tmRoot"/>
+      </p:par>
+    </p:tnLst>
+  </p:timing>
 </p:sld>
 </file>
 
@@ -8411,6 +8528,125 @@
   <p:clrMapOvr>
     <a:masterClrMapping/>
   </p:clrMapOvr>
+  <p:timing>
+    <p:tnLst>
+      <p:par>
+        <p:cTn id="1" dur="indefinite" restart="never" nodeType="tmRoot"/>
+      </p:par>
+    </p:tnLst>
+  </p:timing>
+</p:sld>
+</file>
+
+<file path=ppt/slides/slide25.xml><?xml version="1.0" encoding="utf-8"?>
+<p:sld xmlns:a="http://schemas.openxmlformats.org/drawingml/2006/main" xmlns:r="http://schemas.openxmlformats.org/officeDocument/2006/relationships" xmlns:p="http://schemas.openxmlformats.org/presentationml/2006/main">
+  <p:cSld>
+    <p:spTree>
+      <p:nvGrpSpPr>
+        <p:cNvPr id="1" name=""/>
+        <p:cNvGrpSpPr/>
+        <p:nvPr/>
+      </p:nvGrpSpPr>
+      <p:grpSpPr>
+        <a:xfrm>
+          <a:off x="0" y="0"/>
+          <a:ext cx="0" cy="0"/>
+          <a:chOff x="0" y="0"/>
+          <a:chExt cx="0" cy="0"/>
+        </a:xfrm>
+      </p:grpSpPr>
+      <p:sp>
+        <p:nvSpPr>
+          <p:cNvPr id="2" name="Title 1"/>
+          <p:cNvSpPr>
+            <a:spLocks noGrp="1"/>
+          </p:cNvSpPr>
+          <p:nvPr>
+            <p:ph type="title"/>
+          </p:nvPr>
+        </p:nvSpPr>
+        <p:spPr/>
+        <p:txBody>
+          <a:bodyPr/>
+          <a:lstStyle/>
+          <a:p>
+            <a:r>
+              <a:rPr lang="en-US" dirty="0" smtClean="0"/>
+              <a:t>Semester Re-cap</a:t>
+            </a:r>
+            <a:endParaRPr lang="en-US" dirty="0"/>
+          </a:p>
+        </p:txBody>
+      </p:sp>
+      <p:sp>
+        <p:nvSpPr>
+          <p:cNvPr id="3" name="Content Placeholder 2"/>
+          <p:cNvSpPr>
+            <a:spLocks noGrp="1"/>
+          </p:cNvSpPr>
+          <p:nvPr>
+            <p:ph idx="1"/>
+          </p:nvPr>
+        </p:nvSpPr>
+        <p:spPr/>
+        <p:txBody>
+          <a:bodyPr/>
+          <a:lstStyle/>
+          <a:p>
+            <a:r>
+              <a:rPr lang="en-US" dirty="0" smtClean="0"/>
+              <a:t>Accomplishments</a:t>
+            </a:r>
+          </a:p>
+          <a:p>
+            <a:r>
+              <a:rPr lang="en-US" dirty="0" smtClean="0"/>
+              <a:t>Goals for next semester</a:t>
+            </a:r>
+            <a:endParaRPr lang="en-US" dirty="0"/>
+          </a:p>
+        </p:txBody>
+      </p:sp>
+      <p:sp>
+        <p:nvSpPr>
+          <p:cNvPr id="4" name="Slide Number Placeholder 3"/>
+          <p:cNvSpPr>
+            <a:spLocks noGrp="1"/>
+          </p:cNvSpPr>
+          <p:nvPr>
+            <p:ph type="sldNum" sz="quarter" idx="12"/>
+          </p:nvPr>
+        </p:nvSpPr>
+        <p:spPr/>
+        <p:txBody>
+          <a:bodyPr/>
+          <a:lstStyle/>
+          <a:p>
+            <a:fld id="{D57F1E4F-1CFF-5643-939E-02111984F565}" type="slidenum">
+              <a:rPr lang="en-US" smtClean="0"/>
+              <a:t>25</a:t>
+            </a:fld>
+            <a:endParaRPr lang="en-US" dirty="0"/>
+          </a:p>
+        </p:txBody>
+      </p:sp>
+    </p:spTree>
+    <p:extLst>
+      <p:ext uri="{BB962C8B-B14F-4D97-AF65-F5344CB8AC3E}">
+        <p14:creationId xmlns:p14="http://schemas.microsoft.com/office/powerpoint/2010/main" val="3108050552"/>
+      </p:ext>
+    </p:extLst>
+  </p:cSld>
+  <p:clrMapOvr>
+    <a:masterClrMapping/>
+  </p:clrMapOvr>
+  <p:timing>
+    <p:tnLst>
+      <p:par>
+        <p:cTn id="1" dur="indefinite" restart="never" nodeType="tmRoot"/>
+      </p:par>
+    </p:tnLst>
+  </p:timing>
 </p:sld>
 </file>
 
@@ -8506,6 +8742,13 @@
   <p:clrMapOvr>
     <a:masterClrMapping/>
   </p:clrMapOvr>
+  <p:timing>
+    <p:tnLst>
+      <p:par>
+        <p:cTn id="1" dur="indefinite" restart="never" nodeType="tmRoot"/>
+      </p:par>
+    </p:tnLst>
+  </p:timing>
 </p:sld>
 </file>
 
@@ -8608,6 +8851,13 @@
   <p:clrMapOvr>
     <a:masterClrMapping/>
   </p:clrMapOvr>
+  <p:timing>
+    <p:tnLst>
+      <p:par>
+        <p:cTn id="1" dur="indefinite" restart="never" nodeType="tmRoot"/>
+      </p:par>
+    </p:tnLst>
+  </p:timing>
 </p:sld>
 </file>
 
@@ -8716,6 +8966,13 @@
   <p:clrMapOvr>
     <a:masterClrMapping/>
   </p:clrMapOvr>
+  <p:timing>
+    <p:tnLst>
+      <p:par>
+        <p:cTn id="1" dur="indefinite" restart="never" nodeType="tmRoot"/>
+      </p:par>
+    </p:tnLst>
+  </p:timing>
 </p:sld>
 </file>
 
@@ -8868,6 +9125,13 @@
   <p:clrMapOvr>
     <a:masterClrMapping/>
   </p:clrMapOvr>
+  <p:timing>
+    <p:tnLst>
+      <p:par>
+        <p:cTn id="1" dur="indefinite" restart="never" nodeType="tmRoot"/>
+      </p:par>
+    </p:tnLst>
+  </p:timing>
 </p:sld>
 </file>
 
@@ -9000,6 +9264,13 @@
   <p:clrMapOvr>
     <a:masterClrMapping/>
   </p:clrMapOvr>
+  <p:timing>
+    <p:tnLst>
+      <p:par>
+        <p:cTn id="1" dur="indefinite" restart="never" nodeType="tmRoot"/>
+      </p:par>
+    </p:tnLst>
+  </p:timing>
 </p:sld>
 </file>
 
@@ -9137,6 +9408,13 @@
   <p:clrMapOvr>
     <a:masterClrMapping/>
   </p:clrMapOvr>
+  <p:timing>
+    <p:tnLst>
+      <p:par>
+        <p:cTn id="1" dur="indefinite" restart="never" nodeType="tmRoot"/>
+      </p:par>
+    </p:tnLst>
+  </p:timing>
 </p:sld>
 </file>
 
@@ -9245,6 +9523,13 @@
   <p:clrMapOvr>
     <a:masterClrMapping/>
   </p:clrMapOvr>
+  <p:timing>
+    <p:tnLst>
+      <p:par>
+        <p:cTn id="1" dur="indefinite" restart="never" nodeType="tmRoot"/>
+      </p:par>
+    </p:tnLst>
+  </p:timing>
 </p:sld>
 </file>
 

--- a/Documentation/Class Presentations/Design Presentation/AWTY - Design Presentation.pptx
+++ b/Documentation/Class Presentations/Design Presentation/AWTY - Design Presentation.pptx
@@ -5,34 +5,36 @@
     <p:sldMasterId id="2147483648" r:id="rId1"/>
   </p:sldMasterIdLst>
   <p:notesMasterIdLst>
-    <p:notesMasterId r:id="rId27"/>
+    <p:notesMasterId r:id="rId29"/>
   </p:notesMasterIdLst>
   <p:sldIdLst>
     <p:sldId id="256" r:id="rId2"/>
     <p:sldId id="258" r:id="rId3"/>
     <p:sldId id="257" r:id="rId4"/>
-    <p:sldId id="259" r:id="rId5"/>
-    <p:sldId id="260" r:id="rId6"/>
-    <p:sldId id="262" r:id="rId7"/>
-    <p:sldId id="275" r:id="rId8"/>
-    <p:sldId id="263" r:id="rId9"/>
-    <p:sldId id="276" r:id="rId10"/>
-    <p:sldId id="274" r:id="rId11"/>
-    <p:sldId id="265" r:id="rId12"/>
-    <p:sldId id="277" r:id="rId13"/>
-    <p:sldId id="278" r:id="rId14"/>
-    <p:sldId id="267" r:id="rId15"/>
-    <p:sldId id="268" r:id="rId16"/>
-    <p:sldId id="269" r:id="rId17"/>
-    <p:sldId id="270" r:id="rId18"/>
-    <p:sldId id="266" r:id="rId19"/>
-    <p:sldId id="279" r:id="rId20"/>
-    <p:sldId id="280" r:id="rId21"/>
-    <p:sldId id="271" r:id="rId22"/>
-    <p:sldId id="272" r:id="rId23"/>
-    <p:sldId id="273" r:id="rId24"/>
-    <p:sldId id="264" r:id="rId25"/>
-    <p:sldId id="281" r:id="rId26"/>
+    <p:sldId id="282" r:id="rId5"/>
+    <p:sldId id="283" r:id="rId6"/>
+    <p:sldId id="259" r:id="rId7"/>
+    <p:sldId id="260" r:id="rId8"/>
+    <p:sldId id="262" r:id="rId9"/>
+    <p:sldId id="275" r:id="rId10"/>
+    <p:sldId id="263" r:id="rId11"/>
+    <p:sldId id="276" r:id="rId12"/>
+    <p:sldId id="274" r:id="rId13"/>
+    <p:sldId id="265" r:id="rId14"/>
+    <p:sldId id="277" r:id="rId15"/>
+    <p:sldId id="278" r:id="rId16"/>
+    <p:sldId id="267" r:id="rId17"/>
+    <p:sldId id="268" r:id="rId18"/>
+    <p:sldId id="269" r:id="rId19"/>
+    <p:sldId id="270" r:id="rId20"/>
+    <p:sldId id="266" r:id="rId21"/>
+    <p:sldId id="279" r:id="rId22"/>
+    <p:sldId id="280" r:id="rId23"/>
+    <p:sldId id="271" r:id="rId24"/>
+    <p:sldId id="272" r:id="rId25"/>
+    <p:sldId id="273" r:id="rId26"/>
+    <p:sldId id="264" r:id="rId27"/>
+    <p:sldId id="281" r:id="rId28"/>
   </p:sldIdLst>
   <p:sldSz cx="12192000" cy="6858000"/>
   <p:notesSz cx="6858000" cy="9144000"/>
@@ -139,6 +141,8 @@
             <p14:sldId id="256"/>
             <p14:sldId id="258"/>
             <p14:sldId id="257"/>
+            <p14:sldId id="282"/>
+            <p14:sldId id="283"/>
             <p14:sldId id="259"/>
             <p14:sldId id="260"/>
             <p14:sldId id="262"/>
@@ -270,7 +274,7 @@
           <a:p>
             <a:fld id="{AE94A8AE-7B03-43E7-B368-8D4B47DB260C}" type="datetimeFigureOut">
               <a:rPr lang="en-US" smtClean="0"/>
-              <a:t>12/7/2014</a:t>
+              <a:t>12/9/2014</a:t>
             </a:fld>
             <a:endParaRPr lang="en-US"/>
           </a:p>
@@ -687,7 +691,7 @@
           <a:p>
             <a:fld id="{91B98F24-B752-4282-91B6-26BC2EB3144A}" type="slidenum">
               <a:rPr lang="en-US" smtClean="0"/>
-              <a:t>13</a:t>
+              <a:t>15</a:t>
             </a:fld>
             <a:endParaRPr lang="en-US"/>
           </a:p>
@@ -889,7 +893,7 @@
           <a:p>
             <a:fld id="{C79537A5-20BD-4FB2-AB16-353499F67A4F}" type="datetime1">
               <a:rPr lang="en-US" smtClean="0"/>
-              <a:t>12/7/2014</a:t>
+              <a:t>12/9/2014</a:t>
             </a:fld>
             <a:endParaRPr lang="en-US" dirty="0"/>
           </a:p>
@@ -1159,7 +1163,7 @@
           <a:p>
             <a:fld id="{D4F9E9DF-9F16-49A6-9372-72E3DF67A5A2}" type="datetime1">
               <a:rPr lang="en-US" smtClean="0"/>
-              <a:t>12/7/2014</a:t>
+              <a:t>12/9/2014</a:t>
             </a:fld>
             <a:endParaRPr lang="en-US" dirty="0"/>
           </a:p>
@@ -1348,7 +1352,7 @@
           <a:p>
             <a:fld id="{7349804B-D564-4FCA-92C7-138BAD48FF42}" type="datetime1">
               <a:rPr lang="en-US" smtClean="0"/>
-              <a:t>12/7/2014</a:t>
+              <a:t>12/9/2014</a:t>
             </a:fld>
             <a:endParaRPr lang="en-US" dirty="0"/>
           </a:p>
@@ -1611,7 +1615,7 @@
           <a:p>
             <a:fld id="{F751DDAE-1A42-48FD-8347-A4B0182A5281}" type="datetime1">
               <a:rPr lang="en-US" smtClean="0"/>
-              <a:t>12/7/2014</a:t>
+              <a:t>12/9/2014</a:t>
             </a:fld>
             <a:endParaRPr lang="en-US" dirty="0"/>
           </a:p>
@@ -1938,7 +1942,7 @@
           <a:p>
             <a:fld id="{21D505CB-1EA9-483D-95DD-2EDF1BF3115D}" type="datetime1">
               <a:rPr lang="en-US" smtClean="0"/>
-              <a:t>12/7/2014</a:t>
+              <a:t>12/9/2014</a:t>
             </a:fld>
             <a:endParaRPr lang="en-US" dirty="0"/>
           </a:p>
@@ -2543,7 +2547,7 @@
           <a:p>
             <a:fld id="{4B395789-662C-4942-B8D5-DE9029F8B70B}" type="datetime1">
               <a:rPr lang="en-US" smtClean="0"/>
-              <a:t>12/7/2014</a:t>
+              <a:t>12/9/2014</a:t>
             </a:fld>
             <a:endParaRPr lang="en-US" dirty="0"/>
           </a:p>
@@ -3385,7 +3389,7 @@
           <a:p>
             <a:fld id="{66EF8F6A-CE2A-4582-9777-82AB95DB6834}" type="datetime1">
               <a:rPr lang="en-US" smtClean="0"/>
-              <a:t>12/7/2014</a:t>
+              <a:t>12/9/2014</a:t>
             </a:fld>
             <a:endParaRPr lang="en-US" dirty="0"/>
           </a:p>
@@ -3550,7 +3554,7 @@
           <a:p>
             <a:fld id="{A5BBCA8B-297D-41CA-A15A-CBB14D82F00E}" type="datetime1">
               <a:rPr lang="en-US" smtClean="0"/>
-              <a:t>12/7/2014</a:t>
+              <a:t>12/9/2014</a:t>
             </a:fld>
             <a:endParaRPr lang="en-US" dirty="0"/>
           </a:p>
@@ -3725,7 +3729,7 @@
           <a:p>
             <a:fld id="{B630941E-E444-44FE-B142-DC6C191AAAE1}" type="datetime1">
               <a:rPr lang="en-US" smtClean="0"/>
-              <a:t>12/7/2014</a:t>
+              <a:t>12/9/2014</a:t>
             </a:fld>
             <a:endParaRPr lang="en-US" dirty="0"/>
           </a:p>
@@ -3890,7 +3894,7 @@
           <a:p>
             <a:fld id="{8A9C620C-EC4C-4D12-83A3-0BC887383002}" type="datetime1">
               <a:rPr lang="en-US" smtClean="0"/>
-              <a:t>12/7/2014</a:t>
+              <a:t>12/9/2014</a:t>
             </a:fld>
             <a:endParaRPr lang="en-US" dirty="0"/>
           </a:p>
@@ -4129,7 +4133,7 @@
           <a:p>
             <a:fld id="{F523BC8B-CAD9-48D9-A5FD-82B0E0157428}" type="datetime1">
               <a:rPr lang="en-US" smtClean="0"/>
-              <a:t>12/7/2014</a:t>
+              <a:t>12/9/2014</a:t>
             </a:fld>
             <a:endParaRPr lang="en-US" dirty="0"/>
           </a:p>
@@ -4416,7 +4420,7 @@
           <a:p>
             <a:fld id="{90701877-2EFA-45AB-85A0-2BA6C4395F03}" type="datetime1">
               <a:rPr lang="en-US" smtClean="0"/>
-              <a:t>12/7/2014</a:t>
+              <a:t>12/9/2014</a:t>
             </a:fld>
             <a:endParaRPr lang="en-US" dirty="0"/>
           </a:p>
@@ -4849,7 +4853,7 @@
           <a:p>
             <a:fld id="{E37B68A1-437F-475B-A237-C1136F7F9EA8}" type="datetime1">
               <a:rPr lang="en-US" smtClean="0"/>
-              <a:t>12/7/2014</a:t>
+              <a:t>12/9/2014</a:t>
             </a:fld>
             <a:endParaRPr lang="en-US" dirty="0"/>
           </a:p>
@@ -4962,7 +4966,7 @@
           <a:p>
             <a:fld id="{1DE617E8-B1AD-431B-991A-BBAF1B8931AC}" type="datetime1">
               <a:rPr lang="en-US" smtClean="0"/>
-              <a:t>12/7/2014</a:t>
+              <a:t>12/9/2014</a:t>
             </a:fld>
             <a:endParaRPr lang="en-US" dirty="0"/>
           </a:p>
@@ -5052,7 +5056,7 @@
           <a:p>
             <a:fld id="{DBAB29C2-E29B-467A-BA62-AA0D4D8409F1}" type="datetime1">
               <a:rPr lang="en-US" smtClean="0"/>
-              <a:t>12/7/2014</a:t>
+              <a:t>12/9/2014</a:t>
             </a:fld>
             <a:endParaRPr lang="en-US" dirty="0"/>
           </a:p>
@@ -5326,7 +5330,7 @@
           <a:p>
             <a:fld id="{11910C92-5C59-4598-A0C8-038CE503C1B3}" type="datetime1">
               <a:rPr lang="en-US" smtClean="0"/>
-              <a:t>12/7/2014</a:t>
+              <a:t>12/9/2014</a:t>
             </a:fld>
             <a:endParaRPr lang="en-US" dirty="0"/>
           </a:p>
@@ -5596,7 +5600,7 @@
           <a:p>
             <a:fld id="{FC02328E-EBF9-4EF6-B2E2-D3E5BC936BF9}" type="datetime1">
               <a:rPr lang="en-US" smtClean="0"/>
-              <a:t>12/7/2014</a:t>
+              <a:t>12/9/2014</a:t>
             </a:fld>
             <a:endParaRPr lang="en-US" dirty="0"/>
           </a:p>
@@ -6020,7 +6024,7 @@
           <a:p>
             <a:fld id="{2C3AF8A8-5B0F-448A-96E0-3ED277667513}" type="datetime1">
               <a:rPr lang="en-US" smtClean="0"/>
-              <a:t>12/7/2014</a:t>
+              <a:t>12/9/2014</a:t>
             </a:fld>
             <a:endParaRPr lang="en-US" dirty="0"/>
           </a:p>
@@ -6602,7 +6606,7 @@
       </p:grpSpPr>
       <p:sp>
         <p:nvSpPr>
-          <p:cNvPr id="5" name="Title 4"/>
+          <p:cNvPr id="2" name="Title 1"/>
           <p:cNvSpPr>
             <a:spLocks noGrp="1"/>
           </p:cNvSpPr>
@@ -6617,20 +6621,20 @@
           <a:p>
             <a:r>
               <a:rPr lang="en-US" dirty="0" smtClean="0"/>
-              <a:t>Parts List</a:t>
-            </a:r>
-            <a:endParaRPr lang="en-US" dirty="0"/>
-          </a:p>
-        </p:txBody>
-      </p:sp>
-      <p:sp>
-        <p:nvSpPr>
-          <p:cNvPr id="6" name="Content Placeholder 5"/>
-          <p:cNvSpPr>
-            <a:spLocks noGrp="1"/>
-          </p:cNvSpPr>
-          <p:nvPr>
-            <p:ph idx="1"/>
+              <a:t>Coordination Subsystem</a:t>
+            </a:r>
+            <a:endParaRPr lang="en-US" dirty="0"/>
+          </a:p>
+        </p:txBody>
+      </p:sp>
+      <p:sp>
+        <p:nvSpPr>
+          <p:cNvPr id="3" name="Content Placeholder 2"/>
+          <p:cNvSpPr>
+            <a:spLocks noGrp="1"/>
+          </p:cNvSpPr>
+          <p:nvPr>
+            <p:ph sz="half" idx="1"/>
           </p:nvPr>
         </p:nvSpPr>
         <p:spPr/>
@@ -6640,39 +6644,110 @@
           <a:p>
             <a:r>
               <a:rPr lang="en-US" dirty="0" smtClean="0"/>
-              <a:t>Raspberry Pi B+</a:t>
-            </a:r>
-          </a:p>
-          <a:p>
+              <a:t>Purpose </a:t>
+            </a:r>
+            <a:endParaRPr lang="en-US" dirty="0" smtClean="0"/>
+          </a:p>
+          <a:p>
+            <a:pPr lvl="1"/>
             <a:r>
               <a:rPr lang="en-US" dirty="0" smtClean="0"/>
-              <a:t>Arduino Mega 2560</a:t>
-            </a:r>
-          </a:p>
-          <a:p>
+              <a:t>Progresses system through state diagram</a:t>
+            </a:r>
+          </a:p>
+          <a:p>
+            <a:pPr lvl="1"/>
             <a:r>
               <a:rPr lang="en-US" dirty="0" smtClean="0"/>
-              <a:t>IR Line Sensors</a:t>
-            </a:r>
+              <a:t>“Master” of system</a:t>
+            </a:r>
+            <a:endParaRPr lang="en-US" dirty="0" smtClean="0"/>
           </a:p>
           <a:p>
             <a:r>
               <a:rPr lang="en-US" dirty="0" smtClean="0"/>
-              <a:t>USB Camera</a:t>
-            </a:r>
-          </a:p>
-          <a:p>
-            <a:r>
-              <a:rPr lang="en-US" dirty="0" smtClean="0"/>
-              <a:t>Ultrasonic Sensor</a:t>
-            </a:r>
-            <a:endParaRPr lang="en-US" dirty="0"/>
-          </a:p>
-        </p:txBody>
-      </p:sp>
-      <p:sp>
-        <p:nvSpPr>
-          <p:cNvPr id="7" name="Slide Number Placeholder 6"/>
+              <a:t>Responsibilities</a:t>
+            </a:r>
+          </a:p>
+          <a:p>
+            <a:pPr lvl="1"/>
+            <a:r>
+              <a:rPr lang="en-US" dirty="0"/>
+              <a:t>Read input from sensors</a:t>
+            </a:r>
+          </a:p>
+          <a:p>
+            <a:pPr lvl="1"/>
+            <a:r>
+              <a:rPr lang="en-US" dirty="0"/>
+              <a:t>Interpret sensor reading</a:t>
+            </a:r>
+          </a:p>
+          <a:p>
+            <a:pPr lvl="1"/>
+            <a:r>
+              <a:rPr lang="en-US" dirty="0"/>
+              <a:t>Activate corresponding subsystem</a:t>
+            </a:r>
+          </a:p>
+          <a:p>
+            <a:pPr lvl="1"/>
+            <a:endParaRPr lang="en-US" dirty="0" smtClean="0"/>
+          </a:p>
+          <a:p>
+            <a:pPr lvl="1"/>
+            <a:endParaRPr lang="en-US" dirty="0"/>
+          </a:p>
+          <a:p>
+            <a:pPr lvl="1"/>
+            <a:endParaRPr lang="en-US" dirty="0" smtClean="0"/>
+          </a:p>
+          <a:p>
+            <a:endParaRPr lang="en-US" dirty="0" smtClean="0"/>
+          </a:p>
+          <a:p>
+            <a:pPr marL="0" indent="0">
+              <a:buNone/>
+            </a:pPr>
+            <a:endParaRPr lang="en-US" dirty="0"/>
+          </a:p>
+        </p:txBody>
+      </p:sp>
+      <p:pic>
+        <p:nvPicPr>
+          <p:cNvPr id="5" name="Content Placeholder 4"/>
+          <p:cNvPicPr>
+            <a:picLocks noGrp="1"/>
+          </p:cNvPicPr>
+          <p:nvPr>
+            <p:ph sz="half" idx="2"/>
+          </p:nvPr>
+        </p:nvPicPr>
+        <p:blipFill>
+          <a:blip r:embed="rId2">
+            <a:extLst>
+              <a:ext uri="{28A0092B-C50C-407E-A947-70E740481C1C}">
+                <a14:useLocalDpi xmlns:a14="http://schemas.microsoft.com/office/drawing/2010/main" val="0"/>
+              </a:ext>
+            </a:extLst>
+          </a:blip>
+          <a:stretch>
+            <a:fillRect/>
+          </a:stretch>
+        </p:blipFill>
+        <p:spPr>
+          <a:xfrm>
+            <a:off x="5733679" y="2055813"/>
+            <a:ext cx="4237780" cy="4200525"/>
+          </a:xfrm>
+          <a:prstGeom prst="rect">
+            <a:avLst/>
+          </a:prstGeom>
+        </p:spPr>
+      </p:pic>
+      <p:sp>
+        <p:nvSpPr>
+          <p:cNvPr id="6" name="Slide Number Placeholder 5"/>
           <p:cNvSpPr>
             <a:spLocks noGrp="1"/>
           </p:cNvSpPr>
@@ -6696,7 +6771,7 @@
     </p:spTree>
     <p:extLst>
       <p:ext uri="{BB962C8B-B14F-4D97-AF65-F5344CB8AC3E}">
-        <p14:creationId xmlns:p14="http://schemas.microsoft.com/office/powerpoint/2010/main" val="3938120449"/>
+        <p14:creationId xmlns:p14="http://schemas.microsoft.com/office/powerpoint/2010/main" val="84178271"/>
       </p:ext>
     </p:extLst>
   </p:cSld>
@@ -6747,82 +6822,47 @@
           <a:p>
             <a:r>
               <a:rPr lang="en-US" dirty="0" smtClean="0"/>
-              <a:t>Movement Subsystem</a:t>
-            </a:r>
-            <a:endParaRPr lang="en-US" dirty="0"/>
-          </a:p>
-        </p:txBody>
-      </p:sp>
-      <p:sp>
-        <p:nvSpPr>
-          <p:cNvPr id="3" name="Content Placeholder 2"/>
-          <p:cNvSpPr>
-            <a:spLocks noGrp="1"/>
-          </p:cNvSpPr>
+              <a:t>Functional Diagram</a:t>
+            </a:r>
+            <a:endParaRPr lang="en-US" dirty="0"/>
+          </a:p>
+        </p:txBody>
+      </p:sp>
+      <p:pic>
+        <p:nvPicPr>
+          <p:cNvPr id="6" name="Content Placeholder 5"/>
+          <p:cNvPicPr>
+            <a:picLocks noGrp="1"/>
+          </p:cNvPicPr>
           <p:nvPr>
             <p:ph idx="1"/>
           </p:nvPr>
-        </p:nvSpPr>
-        <p:spPr/>
-        <p:txBody>
-          <a:bodyPr/>
-          <a:lstStyle/>
-          <a:p>
-            <a:r>
-              <a:rPr lang="en-US" dirty="0" smtClean="0"/>
-              <a:t>Purpose and Responsibility</a:t>
-            </a:r>
-          </a:p>
-          <a:p>
-            <a:pPr lvl="1"/>
-            <a:r>
-              <a:rPr lang="en-US" dirty="0" smtClean="0"/>
-              <a:t>Performs all movement operations</a:t>
-            </a:r>
-          </a:p>
-          <a:p>
-            <a:pPr lvl="2"/>
-            <a:r>
-              <a:rPr lang="en-US" dirty="0" smtClean="0"/>
-              <a:t>Motors and wheels</a:t>
-            </a:r>
-          </a:p>
-          <a:p>
-            <a:pPr lvl="2"/>
-            <a:r>
-              <a:rPr lang="en-US" dirty="0" smtClean="0"/>
-              <a:t>Chassis</a:t>
-            </a:r>
-          </a:p>
-          <a:p>
-            <a:r>
-              <a:rPr lang="en-US" dirty="0" smtClean="0"/>
-              <a:t>Constraints</a:t>
-            </a:r>
-          </a:p>
-          <a:p>
-            <a:pPr lvl="1"/>
-            <a:r>
-              <a:rPr lang="en-US" dirty="0" smtClean="0"/>
-              <a:t>Fit within starting area</a:t>
-            </a:r>
-          </a:p>
-          <a:p>
-            <a:pPr lvl="1"/>
-            <a:r>
-              <a:rPr lang="en-US" dirty="0" smtClean="0"/>
-              <a:t>Maintain contact with course floor</a:t>
-            </a:r>
-          </a:p>
-          <a:p>
-            <a:pPr lvl="1"/>
-            <a:endParaRPr lang="en-US" dirty="0"/>
-          </a:p>
-        </p:txBody>
-      </p:sp>
-      <p:sp>
-        <p:nvSpPr>
-          <p:cNvPr id="4" name="Slide Number Placeholder 3"/>
+        </p:nvPicPr>
+        <p:blipFill>
+          <a:blip r:embed="rId2">
+            <a:extLst>
+              <a:ext uri="{28A0092B-C50C-407E-A947-70E740481C1C}">
+                <a14:useLocalDpi xmlns:a14="http://schemas.microsoft.com/office/drawing/2010/main" val="0"/>
+              </a:ext>
+            </a:extLst>
+          </a:blip>
+          <a:stretch>
+            <a:fillRect/>
+          </a:stretch>
+        </p:blipFill>
+        <p:spPr>
+          <a:xfrm>
+            <a:off x="2019631" y="1152983"/>
+            <a:ext cx="7164125" cy="5613577"/>
+          </a:xfrm>
+          <a:prstGeom prst="rect">
+            <a:avLst/>
+          </a:prstGeom>
+        </p:spPr>
+      </p:pic>
+      <p:sp>
+        <p:nvSpPr>
+          <p:cNvPr id="7" name="Slide Number Placeholder 6"/>
           <p:cNvSpPr>
             <a:spLocks noGrp="1"/>
           </p:cNvSpPr>
@@ -6846,7 +6886,7 @@
     </p:spTree>
     <p:extLst>
       <p:ext uri="{BB962C8B-B14F-4D97-AF65-F5344CB8AC3E}">
-        <p14:creationId xmlns:p14="http://schemas.microsoft.com/office/powerpoint/2010/main" val="4115172687"/>
+        <p14:creationId xmlns:p14="http://schemas.microsoft.com/office/powerpoint/2010/main" val="2333198588"/>
       </p:ext>
     </p:extLst>
   </p:cSld>
@@ -6882,7 +6922,7 @@
       </p:grpSpPr>
       <p:sp>
         <p:nvSpPr>
-          <p:cNvPr id="2" name="Title 1"/>
+          <p:cNvPr id="5" name="Title 4"/>
           <p:cNvSpPr>
             <a:spLocks noGrp="1"/>
           </p:cNvSpPr>
@@ -6897,47 +6937,62 @@
           <a:p>
             <a:r>
               <a:rPr lang="en-US" dirty="0" smtClean="0"/>
-              <a:t>Functional Diagram</a:t>
-            </a:r>
-            <a:endParaRPr lang="en-US" dirty="0"/>
-          </a:p>
-        </p:txBody>
-      </p:sp>
-      <p:pic>
-        <p:nvPicPr>
-          <p:cNvPr id="7" name="Content Placeholder 4"/>
-          <p:cNvPicPr>
-            <a:picLocks noGrp="1"/>
-          </p:cNvPicPr>
+              <a:t>Parts List</a:t>
+            </a:r>
+            <a:endParaRPr lang="en-US" dirty="0"/>
+          </a:p>
+        </p:txBody>
+      </p:sp>
+      <p:sp>
+        <p:nvSpPr>
+          <p:cNvPr id="6" name="Content Placeholder 5"/>
+          <p:cNvSpPr>
+            <a:spLocks noGrp="1"/>
+          </p:cNvSpPr>
           <p:nvPr>
             <p:ph idx="1"/>
           </p:nvPr>
-        </p:nvPicPr>
-        <p:blipFill>
-          <a:blip r:embed="rId2">
-            <a:extLst>
-              <a:ext uri="{28A0092B-C50C-407E-A947-70E740481C1C}">
-                <a14:useLocalDpi xmlns:a14="http://schemas.microsoft.com/office/drawing/2010/main" val="0"/>
-              </a:ext>
-            </a:extLst>
-          </a:blip>
-          <a:stretch>
-            <a:fillRect/>
-          </a:stretch>
-        </p:blipFill>
-        <p:spPr>
-          <a:xfrm>
-            <a:off x="2161966" y="1152983"/>
-            <a:ext cx="6373012" cy="5185472"/>
-          </a:xfrm>
-          <a:prstGeom prst="rect">
-            <a:avLst/>
-          </a:prstGeom>
-        </p:spPr>
-      </p:pic>
-      <p:sp>
-        <p:nvSpPr>
-          <p:cNvPr id="8" name="Slide Number Placeholder 7"/>
+        </p:nvSpPr>
+        <p:spPr/>
+        <p:txBody>
+          <a:bodyPr/>
+          <a:lstStyle/>
+          <a:p>
+            <a:r>
+              <a:rPr lang="en-US" dirty="0" smtClean="0"/>
+              <a:t>Raspberry Pi B+</a:t>
+            </a:r>
+          </a:p>
+          <a:p>
+            <a:r>
+              <a:rPr lang="en-US" dirty="0" smtClean="0"/>
+              <a:t>Arduino Mega 2560</a:t>
+            </a:r>
+          </a:p>
+          <a:p>
+            <a:r>
+              <a:rPr lang="en-US" dirty="0" smtClean="0"/>
+              <a:t>QTR-8A Line Sensor Array</a:t>
+            </a:r>
+          </a:p>
+          <a:p>
+            <a:r>
+              <a:rPr lang="en-US" dirty="0" smtClean="0"/>
+              <a:t>USB Camera</a:t>
+            </a:r>
+          </a:p>
+          <a:p>
+            <a:r>
+              <a:rPr lang="en-US" dirty="0" smtClean="0"/>
+              <a:t>Ultrasonic Sensor</a:t>
+            </a:r>
+            <a:endParaRPr lang="en-US" dirty="0"/>
+          </a:p>
+        </p:txBody>
+      </p:sp>
+      <p:sp>
+        <p:nvSpPr>
+          <p:cNvPr id="7" name="Slide Number Placeholder 6"/>
           <p:cNvSpPr>
             <a:spLocks noGrp="1"/>
           </p:cNvSpPr>
@@ -6961,7 +7016,7 @@
     </p:spTree>
     <p:extLst>
       <p:ext uri="{BB962C8B-B14F-4D97-AF65-F5344CB8AC3E}">
-        <p14:creationId xmlns:p14="http://schemas.microsoft.com/office/powerpoint/2010/main" val="967073821"/>
+        <p14:creationId xmlns:p14="http://schemas.microsoft.com/office/powerpoint/2010/main" val="3938120449"/>
       </p:ext>
     </p:extLst>
   </p:cSld>
@@ -7012,7 +7067,7 @@
           <a:p>
             <a:r>
               <a:rPr lang="en-US" dirty="0" smtClean="0"/>
-              <a:t>Parts List</a:t>
+              <a:t>Movement Subsystem</a:t>
             </a:r>
             <a:endParaRPr lang="en-US" dirty="0"/>
           </a:p>
@@ -7033,7 +7088,55 @@
           <a:bodyPr/>
           <a:lstStyle/>
           <a:p>
-            <a:endParaRPr lang="en-US"/>
+            <a:r>
+              <a:rPr lang="en-US" dirty="0" smtClean="0"/>
+              <a:t>Purpose and Responsibility</a:t>
+            </a:r>
+          </a:p>
+          <a:p>
+            <a:pPr lvl="1"/>
+            <a:r>
+              <a:rPr lang="en-US" dirty="0" smtClean="0"/>
+              <a:t>Performs all movement operations</a:t>
+            </a:r>
+          </a:p>
+          <a:p>
+            <a:pPr lvl="2"/>
+            <a:r>
+              <a:rPr lang="en-US" dirty="0" smtClean="0"/>
+              <a:t>Motors and wheels</a:t>
+            </a:r>
+          </a:p>
+          <a:p>
+            <a:pPr lvl="2"/>
+            <a:r>
+              <a:rPr lang="en-US" dirty="0" smtClean="0"/>
+              <a:t>Chassis</a:t>
+            </a:r>
+          </a:p>
+          <a:p>
+            <a:r>
+              <a:rPr lang="en-US" dirty="0" smtClean="0"/>
+              <a:t>Constraints</a:t>
+            </a:r>
+          </a:p>
+          <a:p>
+            <a:pPr lvl="1"/>
+            <a:r>
+              <a:rPr lang="en-US" dirty="0" smtClean="0"/>
+              <a:t>Fit within starting area</a:t>
+            </a:r>
+          </a:p>
+          <a:p>
+            <a:pPr lvl="1"/>
+            <a:r>
+              <a:rPr lang="en-US" dirty="0" smtClean="0"/>
+              <a:t>Maintain contact with course floor</a:t>
+            </a:r>
+          </a:p>
+          <a:p>
+            <a:pPr lvl="1"/>
+            <a:endParaRPr lang="en-US" dirty="0"/>
           </a:p>
         </p:txBody>
       </p:sp>
@@ -7063,7 +7166,7 @@
     </p:spTree>
     <p:extLst>
       <p:ext uri="{BB962C8B-B14F-4D97-AF65-F5344CB8AC3E}">
-        <p14:creationId xmlns:p14="http://schemas.microsoft.com/office/powerpoint/2010/main" val="348784465"/>
+        <p14:creationId xmlns:p14="http://schemas.microsoft.com/office/powerpoint/2010/main" val="4115172687"/>
       </p:ext>
     </p:extLst>
   </p:cSld>
@@ -7114,69 +7217,47 @@
           <a:p>
             <a:r>
               <a:rPr lang="en-US" dirty="0" smtClean="0"/>
-              <a:t>Chassis</a:t>
-            </a:r>
-            <a:endParaRPr lang="en-US" dirty="0"/>
-          </a:p>
-        </p:txBody>
-      </p:sp>
-      <p:sp>
-        <p:nvSpPr>
-          <p:cNvPr id="4" name="Content Placeholder 3"/>
-          <p:cNvSpPr>
-            <a:spLocks noGrp="1"/>
-          </p:cNvSpPr>
-          <p:nvPr>
-            <p:ph sz="half" idx="1"/>
-          </p:nvPr>
-        </p:nvSpPr>
-        <p:spPr/>
-        <p:txBody>
-          <a:bodyPr/>
-          <a:lstStyle/>
-          <a:p>
-            <a:r>
-              <a:rPr lang="en-US" dirty="0" smtClean="0"/>
-              <a:t>2 tiers</a:t>
-            </a:r>
-          </a:p>
-          <a:p>
-            <a:r>
-              <a:rPr lang="en-US" dirty="0" smtClean="0"/>
-              <a:t>(weight)</a:t>
-            </a:r>
-          </a:p>
-          <a:p>
-            <a:r>
-              <a:rPr lang="en-US" dirty="0" smtClean="0"/>
-              <a:t>(dimensions)</a:t>
-            </a:r>
-            <a:endParaRPr lang="en-US" dirty="0"/>
-          </a:p>
-        </p:txBody>
-      </p:sp>
-      <p:sp>
-        <p:nvSpPr>
-          <p:cNvPr id="5" name="Content Placeholder 4"/>
-          <p:cNvSpPr>
-            <a:spLocks noGrp="1"/>
-          </p:cNvSpPr>
-          <p:nvPr>
-            <p:ph sz="half" idx="2"/>
-          </p:nvPr>
-        </p:nvSpPr>
-        <p:spPr/>
-        <p:txBody>
-          <a:bodyPr/>
-          <a:lstStyle/>
-          <a:p>
-            <a:endParaRPr lang="en-US"/>
-          </a:p>
-        </p:txBody>
-      </p:sp>
-      <p:sp>
-        <p:nvSpPr>
-          <p:cNvPr id="6" name="Slide Number Placeholder 5"/>
+              <a:t>Functional Diagram</a:t>
+            </a:r>
+            <a:endParaRPr lang="en-US" dirty="0"/>
+          </a:p>
+        </p:txBody>
+      </p:sp>
+      <p:pic>
+        <p:nvPicPr>
+          <p:cNvPr id="7" name="Content Placeholder 4"/>
+          <p:cNvPicPr>
+            <a:picLocks noGrp="1"/>
+          </p:cNvPicPr>
+          <p:nvPr>
+            <p:ph idx="1"/>
+          </p:nvPr>
+        </p:nvPicPr>
+        <p:blipFill>
+          <a:blip r:embed="rId2">
+            <a:extLst>
+              <a:ext uri="{28A0092B-C50C-407E-A947-70E740481C1C}">
+                <a14:useLocalDpi xmlns:a14="http://schemas.microsoft.com/office/drawing/2010/main" val="0"/>
+              </a:ext>
+            </a:extLst>
+          </a:blip>
+          <a:stretch>
+            <a:fillRect/>
+          </a:stretch>
+        </p:blipFill>
+        <p:spPr>
+          <a:xfrm>
+            <a:off x="2161966" y="1152983"/>
+            <a:ext cx="6373012" cy="5185472"/>
+          </a:xfrm>
+          <a:prstGeom prst="rect">
+            <a:avLst/>
+          </a:prstGeom>
+        </p:spPr>
+      </p:pic>
+      <p:sp>
+        <p:nvSpPr>
+          <p:cNvPr id="8" name="Slide Number Placeholder 7"/>
           <p:cNvSpPr>
             <a:spLocks noGrp="1"/>
           </p:cNvSpPr>
@@ -7200,7 +7281,7 @@
     </p:spTree>
     <p:extLst>
       <p:ext uri="{BB962C8B-B14F-4D97-AF65-F5344CB8AC3E}">
-        <p14:creationId xmlns:p14="http://schemas.microsoft.com/office/powerpoint/2010/main" val="1569498382"/>
+        <p14:creationId xmlns:p14="http://schemas.microsoft.com/office/powerpoint/2010/main" val="967073821"/>
       </p:ext>
     </p:extLst>
   </p:cSld>
@@ -7251,7 +7332,7 @@
           <a:p>
             <a:r>
               <a:rPr lang="en-US" dirty="0" smtClean="0"/>
-              <a:t>Motors</a:t>
+              <a:t>Parts List</a:t>
             </a:r>
             <a:endParaRPr lang="en-US" dirty="0"/>
           </a:p>
@@ -7264,30 +7345,7 @@
             <a:spLocks noGrp="1"/>
           </p:cNvSpPr>
           <p:nvPr>
-            <p:ph sz="half" idx="1"/>
-          </p:nvPr>
-        </p:nvSpPr>
-        <p:spPr/>
-        <p:txBody>
-          <a:bodyPr/>
-          <a:lstStyle/>
-          <a:p>
-            <a:r>
-              <a:rPr lang="en-US" dirty="0" smtClean="0"/>
-              <a:t>Motor stuff</a:t>
-            </a:r>
-            <a:endParaRPr lang="en-US" dirty="0"/>
-          </a:p>
-        </p:txBody>
-      </p:sp>
-      <p:sp>
-        <p:nvSpPr>
-          <p:cNvPr id="4" name="Content Placeholder 3"/>
-          <p:cNvSpPr>
-            <a:spLocks noGrp="1"/>
-          </p:cNvSpPr>
-          <p:nvPr>
-            <p:ph sz="half" idx="2"/>
+            <p:ph idx="1"/>
           </p:nvPr>
         </p:nvSpPr>
         <p:spPr/>
@@ -7301,7 +7359,7 @@
       </p:sp>
       <p:sp>
         <p:nvSpPr>
-          <p:cNvPr id="5" name="Slide Number Placeholder 4"/>
+          <p:cNvPr id="4" name="Slide Number Placeholder 3"/>
           <p:cNvSpPr>
             <a:spLocks noGrp="1"/>
           </p:cNvSpPr>
@@ -7325,7 +7383,7 @@
     </p:spTree>
     <p:extLst>
       <p:ext uri="{BB962C8B-B14F-4D97-AF65-F5344CB8AC3E}">
-        <p14:creationId xmlns:p14="http://schemas.microsoft.com/office/powerpoint/2010/main" val="4172797480"/>
+        <p14:creationId xmlns:p14="http://schemas.microsoft.com/office/powerpoint/2010/main" val="348784465"/>
       </p:ext>
     </p:extLst>
   </p:cSld>
@@ -7376,15 +7434,15 @@
           <a:p>
             <a:r>
               <a:rPr lang="en-US" dirty="0" smtClean="0"/>
-              <a:t>Wheels</a:t>
-            </a:r>
-            <a:endParaRPr lang="en-US" dirty="0"/>
-          </a:p>
-        </p:txBody>
-      </p:sp>
-      <p:sp>
-        <p:nvSpPr>
-          <p:cNvPr id="3" name="Content Placeholder 2"/>
+              <a:t>Chassis</a:t>
+            </a:r>
+            <a:endParaRPr lang="en-US" dirty="0"/>
+          </a:p>
+        </p:txBody>
+      </p:sp>
+      <p:sp>
+        <p:nvSpPr>
+          <p:cNvPr id="4" name="Content Placeholder 3"/>
           <p:cNvSpPr>
             <a:spLocks noGrp="1"/>
           </p:cNvSpPr>
@@ -7399,15 +7457,27 @@
           <a:p>
             <a:r>
               <a:rPr lang="en-US" dirty="0" smtClean="0"/>
-              <a:t>Wheel stuff</a:t>
-            </a:r>
-            <a:endParaRPr lang="en-US" dirty="0"/>
-          </a:p>
-        </p:txBody>
-      </p:sp>
-      <p:sp>
-        <p:nvSpPr>
-          <p:cNvPr id="4" name="Content Placeholder 3"/>
+              <a:t>2 tiers</a:t>
+            </a:r>
+          </a:p>
+          <a:p>
+            <a:r>
+              <a:rPr lang="en-US" dirty="0" smtClean="0"/>
+              <a:t>(weight)</a:t>
+            </a:r>
+          </a:p>
+          <a:p>
+            <a:r>
+              <a:rPr lang="en-US" dirty="0" smtClean="0"/>
+              <a:t>(dimensions)</a:t>
+            </a:r>
+            <a:endParaRPr lang="en-US" dirty="0"/>
+          </a:p>
+        </p:txBody>
+      </p:sp>
+      <p:sp>
+        <p:nvSpPr>
+          <p:cNvPr id="5" name="Content Placeholder 4"/>
           <p:cNvSpPr>
             <a:spLocks noGrp="1"/>
           </p:cNvSpPr>
@@ -7426,7 +7496,7 @@
       </p:sp>
       <p:sp>
         <p:nvSpPr>
-          <p:cNvPr id="5" name="Slide Number Placeholder 4"/>
+          <p:cNvPr id="6" name="Slide Number Placeholder 5"/>
           <p:cNvSpPr>
             <a:spLocks noGrp="1"/>
           </p:cNvSpPr>
@@ -7450,7 +7520,7 @@
     </p:spTree>
     <p:extLst>
       <p:ext uri="{BB962C8B-B14F-4D97-AF65-F5344CB8AC3E}">
-        <p14:creationId xmlns:p14="http://schemas.microsoft.com/office/powerpoint/2010/main" val="372443045"/>
+        <p14:creationId xmlns:p14="http://schemas.microsoft.com/office/powerpoint/2010/main" val="1569498382"/>
       </p:ext>
     </p:extLst>
   </p:cSld>
@@ -7501,7 +7571,7 @@
           <a:p>
             <a:r>
               <a:rPr lang="en-US" dirty="0" smtClean="0"/>
-              <a:t>Battery</a:t>
+              <a:t>Motors</a:t>
             </a:r>
             <a:endParaRPr lang="en-US" dirty="0"/>
           </a:p>
@@ -7524,7 +7594,7 @@
           <a:p>
             <a:r>
               <a:rPr lang="en-US" dirty="0" smtClean="0"/>
-              <a:t>Battery stuff</a:t>
+              <a:t>Motor stuff</a:t>
             </a:r>
             <a:endParaRPr lang="en-US" dirty="0"/>
           </a:p>
@@ -7575,7 +7645,7 @@
     </p:spTree>
     <p:extLst>
       <p:ext uri="{BB962C8B-B14F-4D97-AF65-F5344CB8AC3E}">
-        <p14:creationId xmlns:p14="http://schemas.microsoft.com/office/powerpoint/2010/main" val="88833189"/>
+        <p14:creationId xmlns:p14="http://schemas.microsoft.com/office/powerpoint/2010/main" val="4172797480"/>
       </p:ext>
     </p:extLst>
   </p:cSld>
@@ -7626,7 +7696,7 @@
           <a:p>
             <a:r>
               <a:rPr lang="en-US" dirty="0" smtClean="0"/>
-              <a:t>Challenge Subsystem</a:t>
+              <a:t>Wheels</a:t>
             </a:r>
             <a:endParaRPr lang="en-US" dirty="0"/>
           </a:p>
@@ -7639,7 +7709,30 @@
             <a:spLocks noGrp="1"/>
           </p:cNvSpPr>
           <p:nvPr>
-            <p:ph idx="1"/>
+            <p:ph sz="half" idx="1"/>
+          </p:nvPr>
+        </p:nvSpPr>
+        <p:spPr/>
+        <p:txBody>
+          <a:bodyPr/>
+          <a:lstStyle/>
+          <a:p>
+            <a:r>
+              <a:rPr lang="en-US" dirty="0" smtClean="0"/>
+              <a:t>Wheel stuff</a:t>
+            </a:r>
+            <a:endParaRPr lang="en-US" dirty="0"/>
+          </a:p>
+        </p:txBody>
+      </p:sp>
+      <p:sp>
+        <p:nvSpPr>
+          <p:cNvPr id="4" name="Content Placeholder 3"/>
+          <p:cNvSpPr>
+            <a:spLocks noGrp="1"/>
+          </p:cNvSpPr>
+          <p:nvPr>
+            <p:ph sz="half" idx="2"/>
           </p:nvPr>
         </p:nvSpPr>
         <p:spPr/>
@@ -7653,7 +7746,7 @@
       </p:sp>
       <p:sp>
         <p:nvSpPr>
-          <p:cNvPr id="4" name="Slide Number Placeholder 3"/>
+          <p:cNvPr id="5" name="Slide Number Placeholder 4"/>
           <p:cNvSpPr>
             <a:spLocks noGrp="1"/>
           </p:cNvSpPr>
@@ -7677,7 +7770,7 @@
     </p:spTree>
     <p:extLst>
       <p:ext uri="{BB962C8B-B14F-4D97-AF65-F5344CB8AC3E}">
-        <p14:creationId xmlns:p14="http://schemas.microsoft.com/office/powerpoint/2010/main" val="566468691"/>
+        <p14:creationId xmlns:p14="http://schemas.microsoft.com/office/powerpoint/2010/main" val="372443045"/>
       </p:ext>
     </p:extLst>
   </p:cSld>
@@ -7728,47 +7821,57 @@
           <a:p>
             <a:r>
               <a:rPr lang="en-US" dirty="0" smtClean="0"/>
-              <a:t>Functional Diagram</a:t>
-            </a:r>
-            <a:endParaRPr lang="en-US" dirty="0"/>
-          </a:p>
-        </p:txBody>
-      </p:sp>
-      <p:pic>
-        <p:nvPicPr>
-          <p:cNvPr id="7" name="Content Placeholder 3"/>
-          <p:cNvPicPr>
-            <a:picLocks noGrp="1"/>
-          </p:cNvPicPr>
-          <p:nvPr>
-            <p:ph idx="1"/>
-          </p:nvPr>
-        </p:nvPicPr>
-        <p:blipFill>
-          <a:blip r:embed="rId2">
-            <a:extLst>
-              <a:ext uri="{28A0092B-C50C-407E-A947-70E740481C1C}">
-                <a14:useLocalDpi xmlns:a14="http://schemas.microsoft.com/office/drawing/2010/main" val="0"/>
-              </a:ext>
-            </a:extLst>
-          </a:blip>
-          <a:stretch>
-            <a:fillRect/>
-          </a:stretch>
-        </p:blipFill>
-        <p:spPr>
-          <a:xfrm>
-            <a:off x="1018166" y="1152983"/>
-            <a:ext cx="8660611" cy="5557918"/>
-          </a:xfrm>
-          <a:prstGeom prst="rect">
-            <a:avLst/>
-          </a:prstGeom>
-        </p:spPr>
-      </p:pic>
-      <p:sp>
-        <p:nvSpPr>
-          <p:cNvPr id="8" name="Slide Number Placeholder 7"/>
+              <a:t>Battery</a:t>
+            </a:r>
+            <a:endParaRPr lang="en-US" dirty="0"/>
+          </a:p>
+        </p:txBody>
+      </p:sp>
+      <p:sp>
+        <p:nvSpPr>
+          <p:cNvPr id="3" name="Content Placeholder 2"/>
+          <p:cNvSpPr>
+            <a:spLocks noGrp="1"/>
+          </p:cNvSpPr>
+          <p:nvPr>
+            <p:ph sz="half" idx="1"/>
+          </p:nvPr>
+        </p:nvSpPr>
+        <p:spPr/>
+        <p:txBody>
+          <a:bodyPr/>
+          <a:lstStyle/>
+          <a:p>
+            <a:r>
+              <a:rPr lang="en-US" dirty="0" smtClean="0"/>
+              <a:t>Battery stuff</a:t>
+            </a:r>
+            <a:endParaRPr lang="en-US" dirty="0"/>
+          </a:p>
+        </p:txBody>
+      </p:sp>
+      <p:sp>
+        <p:nvSpPr>
+          <p:cNvPr id="4" name="Content Placeholder 3"/>
+          <p:cNvSpPr>
+            <a:spLocks noGrp="1"/>
+          </p:cNvSpPr>
+          <p:nvPr>
+            <p:ph sz="half" idx="2"/>
+          </p:nvPr>
+        </p:nvSpPr>
+        <p:spPr/>
+        <p:txBody>
+          <a:bodyPr/>
+          <a:lstStyle/>
+          <a:p>
+            <a:endParaRPr lang="en-US"/>
+          </a:p>
+        </p:txBody>
+      </p:sp>
+      <p:sp>
+        <p:nvSpPr>
+          <p:cNvPr id="5" name="Slide Number Placeholder 4"/>
           <p:cNvSpPr>
             <a:spLocks noGrp="1"/>
           </p:cNvSpPr>
@@ -7792,7 +7895,7 @@
     </p:spTree>
     <p:extLst>
       <p:ext uri="{BB962C8B-B14F-4D97-AF65-F5344CB8AC3E}">
-        <p14:creationId xmlns:p14="http://schemas.microsoft.com/office/powerpoint/2010/main" val="3598511626"/>
+        <p14:creationId xmlns:p14="http://schemas.microsoft.com/office/powerpoint/2010/main" val="88833189"/>
       </p:ext>
     </p:extLst>
   </p:cSld>
@@ -7993,7 +8096,7 @@
           <a:p>
             <a:r>
               <a:rPr lang="en-US" dirty="0" smtClean="0"/>
-              <a:t>Parts List</a:t>
+              <a:t>Challenge Subsystem</a:t>
             </a:r>
             <a:endParaRPr lang="en-US" dirty="0"/>
           </a:p>
@@ -8044,7 +8147,7 @@
     </p:spTree>
     <p:extLst>
       <p:ext uri="{BB962C8B-B14F-4D97-AF65-F5344CB8AC3E}">
-        <p14:creationId xmlns:p14="http://schemas.microsoft.com/office/powerpoint/2010/main" val="3566961884"/>
+        <p14:creationId xmlns:p14="http://schemas.microsoft.com/office/powerpoint/2010/main" val="566468691"/>
       </p:ext>
     </p:extLst>
   </p:cSld>
@@ -8095,57 +8198,47 @@
           <a:p>
             <a:r>
               <a:rPr lang="en-US" dirty="0" smtClean="0"/>
-              <a:t>Simon Interactor</a:t>
-            </a:r>
-            <a:endParaRPr lang="en-US" dirty="0"/>
-          </a:p>
-        </p:txBody>
-      </p:sp>
-      <p:sp>
-        <p:nvSpPr>
-          <p:cNvPr id="8" name="Content Placeholder 7"/>
-          <p:cNvSpPr>
-            <a:spLocks noGrp="1"/>
-          </p:cNvSpPr>
-          <p:nvPr>
-            <p:ph sz="half" idx="1"/>
-          </p:nvPr>
-        </p:nvSpPr>
-        <p:spPr/>
-        <p:txBody>
-          <a:bodyPr/>
-          <a:lstStyle/>
-          <a:p>
-            <a:r>
-              <a:rPr lang="en-US" dirty="0" smtClean="0"/>
-              <a:t>Information about interactor</a:t>
-            </a:r>
-            <a:endParaRPr lang="en-US" dirty="0"/>
-          </a:p>
-        </p:txBody>
-      </p:sp>
-      <p:sp>
-        <p:nvSpPr>
-          <p:cNvPr id="9" name="Content Placeholder 8"/>
-          <p:cNvSpPr>
-            <a:spLocks noGrp="1"/>
-          </p:cNvSpPr>
-          <p:nvPr>
-            <p:ph sz="half" idx="2"/>
-          </p:nvPr>
-        </p:nvSpPr>
-        <p:spPr/>
-        <p:txBody>
-          <a:bodyPr/>
-          <a:lstStyle/>
-          <a:p>
-            <a:endParaRPr lang="en-US"/>
-          </a:p>
-        </p:txBody>
-      </p:sp>
-      <p:sp>
-        <p:nvSpPr>
-          <p:cNvPr id="10" name="Slide Number Placeholder 9"/>
+              <a:t>Functional Diagram</a:t>
+            </a:r>
+            <a:endParaRPr lang="en-US" dirty="0"/>
+          </a:p>
+        </p:txBody>
+      </p:sp>
+      <p:pic>
+        <p:nvPicPr>
+          <p:cNvPr id="7" name="Content Placeholder 3"/>
+          <p:cNvPicPr>
+            <a:picLocks noGrp="1"/>
+          </p:cNvPicPr>
+          <p:nvPr>
+            <p:ph idx="1"/>
+          </p:nvPr>
+        </p:nvPicPr>
+        <p:blipFill>
+          <a:blip r:embed="rId2">
+            <a:extLst>
+              <a:ext uri="{28A0092B-C50C-407E-A947-70E740481C1C}">
+                <a14:useLocalDpi xmlns:a14="http://schemas.microsoft.com/office/drawing/2010/main" val="0"/>
+              </a:ext>
+            </a:extLst>
+          </a:blip>
+          <a:stretch>
+            <a:fillRect/>
+          </a:stretch>
+        </p:blipFill>
+        <p:spPr>
+          <a:xfrm>
+            <a:off x="1018166" y="1152983"/>
+            <a:ext cx="8660611" cy="5557918"/>
+          </a:xfrm>
+          <a:prstGeom prst="rect">
+            <a:avLst/>
+          </a:prstGeom>
+        </p:spPr>
+      </p:pic>
+      <p:sp>
+        <p:nvSpPr>
+          <p:cNvPr id="8" name="Slide Number Placeholder 7"/>
           <p:cNvSpPr>
             <a:spLocks noGrp="1"/>
           </p:cNvSpPr>
@@ -8169,7 +8262,7 @@
     </p:spTree>
     <p:extLst>
       <p:ext uri="{BB962C8B-B14F-4D97-AF65-F5344CB8AC3E}">
-        <p14:creationId xmlns:p14="http://schemas.microsoft.com/office/powerpoint/2010/main" val="3913602721"/>
+        <p14:creationId xmlns:p14="http://schemas.microsoft.com/office/powerpoint/2010/main" val="3598511626"/>
       </p:ext>
     </p:extLst>
   </p:cSld>
@@ -8220,7 +8313,7 @@
           <a:p>
             <a:r>
               <a:rPr lang="en-US" dirty="0" smtClean="0"/>
-              <a:t>Rubik’s Cube and Card Interactor</a:t>
+              <a:t>Parts List</a:t>
             </a:r>
             <a:endParaRPr lang="en-US" dirty="0"/>
           </a:p>
@@ -8233,30 +8326,7 @@
             <a:spLocks noGrp="1"/>
           </p:cNvSpPr>
           <p:nvPr>
-            <p:ph sz="half" idx="1"/>
-          </p:nvPr>
-        </p:nvSpPr>
-        <p:spPr/>
-        <p:txBody>
-          <a:bodyPr/>
-          <a:lstStyle/>
-          <a:p>
-            <a:r>
-              <a:rPr lang="en-US" dirty="0" smtClean="0"/>
-              <a:t>Information about interactor</a:t>
-            </a:r>
-            <a:endParaRPr lang="en-US" dirty="0"/>
-          </a:p>
-        </p:txBody>
-      </p:sp>
-      <p:sp>
-        <p:nvSpPr>
-          <p:cNvPr id="4" name="Content Placeholder 3"/>
-          <p:cNvSpPr>
-            <a:spLocks noGrp="1"/>
-          </p:cNvSpPr>
-          <p:nvPr>
-            <p:ph sz="half" idx="2"/>
+            <p:ph idx="1"/>
           </p:nvPr>
         </p:nvSpPr>
         <p:spPr/>
@@ -8270,7 +8340,7 @@
       </p:sp>
       <p:sp>
         <p:nvSpPr>
-          <p:cNvPr id="5" name="Slide Number Placeholder 4"/>
+          <p:cNvPr id="4" name="Slide Number Placeholder 3"/>
           <p:cNvSpPr>
             <a:spLocks noGrp="1"/>
           </p:cNvSpPr>
@@ -8294,7 +8364,7 @@
     </p:spTree>
     <p:extLst>
       <p:ext uri="{BB962C8B-B14F-4D97-AF65-F5344CB8AC3E}">
-        <p14:creationId xmlns:p14="http://schemas.microsoft.com/office/powerpoint/2010/main" val="378842436"/>
+        <p14:creationId xmlns:p14="http://schemas.microsoft.com/office/powerpoint/2010/main" val="3566961884"/>
       </p:ext>
     </p:extLst>
   </p:cSld>
@@ -8345,15 +8415,15 @@
           <a:p>
             <a:r>
               <a:rPr lang="en-US" dirty="0" smtClean="0"/>
-              <a:t>Etch-A-Sketch Interactor</a:t>
-            </a:r>
-            <a:endParaRPr lang="en-US" dirty="0"/>
-          </a:p>
-        </p:txBody>
-      </p:sp>
-      <p:sp>
-        <p:nvSpPr>
-          <p:cNvPr id="3" name="Content Placeholder 2"/>
+              <a:t>Simon Interactor</a:t>
+            </a:r>
+            <a:endParaRPr lang="en-US" dirty="0"/>
+          </a:p>
+        </p:txBody>
+      </p:sp>
+      <p:sp>
+        <p:nvSpPr>
+          <p:cNvPr id="8" name="Content Placeholder 7"/>
           <p:cNvSpPr>
             <a:spLocks noGrp="1"/>
           </p:cNvSpPr>
@@ -8376,7 +8446,7 @@
       </p:sp>
       <p:sp>
         <p:nvSpPr>
-          <p:cNvPr id="4" name="Content Placeholder 3"/>
+          <p:cNvPr id="9" name="Content Placeholder 8"/>
           <p:cNvSpPr>
             <a:spLocks noGrp="1"/>
           </p:cNvSpPr>
@@ -8395,7 +8465,7 @@
       </p:sp>
       <p:sp>
         <p:nvSpPr>
-          <p:cNvPr id="5" name="Slide Number Placeholder 4"/>
+          <p:cNvPr id="10" name="Slide Number Placeholder 9"/>
           <p:cNvSpPr>
             <a:spLocks noGrp="1"/>
           </p:cNvSpPr>
@@ -8419,7 +8489,7 @@
     </p:spTree>
     <p:extLst>
       <p:ext uri="{BB962C8B-B14F-4D97-AF65-F5344CB8AC3E}">
-        <p14:creationId xmlns:p14="http://schemas.microsoft.com/office/powerpoint/2010/main" val="3464350924"/>
+        <p14:creationId xmlns:p14="http://schemas.microsoft.com/office/powerpoint/2010/main" val="3913602721"/>
       </p:ext>
     </p:extLst>
   </p:cSld>
@@ -8470,7 +8540,7 @@
           <a:p>
             <a:r>
               <a:rPr lang="en-US" dirty="0" smtClean="0"/>
-              <a:t>Video of Performance</a:t>
+              <a:t>Rubik’s Cube and Card Interactor</a:t>
             </a:r>
             <a:endParaRPr lang="en-US" dirty="0"/>
           </a:p>
@@ -8483,7 +8553,30 @@
             <a:spLocks noGrp="1"/>
           </p:cNvSpPr>
           <p:nvPr>
-            <p:ph idx="1"/>
+            <p:ph sz="half" idx="1"/>
+          </p:nvPr>
+        </p:nvSpPr>
+        <p:spPr/>
+        <p:txBody>
+          <a:bodyPr/>
+          <a:lstStyle/>
+          <a:p>
+            <a:r>
+              <a:rPr lang="en-US" dirty="0" smtClean="0"/>
+              <a:t>Information about interactor</a:t>
+            </a:r>
+            <a:endParaRPr lang="en-US" dirty="0"/>
+          </a:p>
+        </p:txBody>
+      </p:sp>
+      <p:sp>
+        <p:nvSpPr>
+          <p:cNvPr id="4" name="Content Placeholder 3"/>
+          <p:cNvSpPr>
+            <a:spLocks noGrp="1"/>
+          </p:cNvSpPr>
+          <p:nvPr>
+            <p:ph sz="half" idx="2"/>
           </p:nvPr>
         </p:nvSpPr>
         <p:spPr/>
@@ -8497,7 +8590,7 @@
       </p:sp>
       <p:sp>
         <p:nvSpPr>
-          <p:cNvPr id="4" name="Slide Number Placeholder 3"/>
+          <p:cNvPr id="5" name="Slide Number Placeholder 4"/>
           <p:cNvSpPr>
             <a:spLocks noGrp="1"/>
           </p:cNvSpPr>
@@ -8521,7 +8614,7 @@
     </p:spTree>
     <p:extLst>
       <p:ext uri="{BB962C8B-B14F-4D97-AF65-F5344CB8AC3E}">
-        <p14:creationId xmlns:p14="http://schemas.microsoft.com/office/powerpoint/2010/main" val="3116858452"/>
+        <p14:creationId xmlns:p14="http://schemas.microsoft.com/office/powerpoint/2010/main" val="378842436"/>
       </p:ext>
     </p:extLst>
   </p:cSld>
@@ -8572,6 +8665,233 @@
           <a:p>
             <a:r>
               <a:rPr lang="en-US" dirty="0" smtClean="0"/>
+              <a:t>Etch-A-Sketch Interactor</a:t>
+            </a:r>
+            <a:endParaRPr lang="en-US" dirty="0"/>
+          </a:p>
+        </p:txBody>
+      </p:sp>
+      <p:sp>
+        <p:nvSpPr>
+          <p:cNvPr id="3" name="Content Placeholder 2"/>
+          <p:cNvSpPr>
+            <a:spLocks noGrp="1"/>
+          </p:cNvSpPr>
+          <p:nvPr>
+            <p:ph sz="half" idx="1"/>
+          </p:nvPr>
+        </p:nvSpPr>
+        <p:spPr/>
+        <p:txBody>
+          <a:bodyPr/>
+          <a:lstStyle/>
+          <a:p>
+            <a:r>
+              <a:rPr lang="en-US" dirty="0" smtClean="0"/>
+              <a:t>Information about interactor</a:t>
+            </a:r>
+            <a:endParaRPr lang="en-US" dirty="0"/>
+          </a:p>
+        </p:txBody>
+      </p:sp>
+      <p:sp>
+        <p:nvSpPr>
+          <p:cNvPr id="4" name="Content Placeholder 3"/>
+          <p:cNvSpPr>
+            <a:spLocks noGrp="1"/>
+          </p:cNvSpPr>
+          <p:nvPr>
+            <p:ph sz="half" idx="2"/>
+          </p:nvPr>
+        </p:nvSpPr>
+        <p:spPr/>
+        <p:txBody>
+          <a:bodyPr/>
+          <a:lstStyle/>
+          <a:p>
+            <a:endParaRPr lang="en-US"/>
+          </a:p>
+        </p:txBody>
+      </p:sp>
+      <p:sp>
+        <p:nvSpPr>
+          <p:cNvPr id="5" name="Slide Number Placeholder 4"/>
+          <p:cNvSpPr>
+            <a:spLocks noGrp="1"/>
+          </p:cNvSpPr>
+          <p:nvPr>
+            <p:ph type="sldNum" sz="quarter" idx="12"/>
+          </p:nvPr>
+        </p:nvSpPr>
+        <p:spPr/>
+        <p:txBody>
+          <a:bodyPr/>
+          <a:lstStyle/>
+          <a:p>
+            <a:fld id="{D57F1E4F-1CFF-5643-939E-02111984F565}" type="slidenum">
+              <a:rPr lang="en-US" smtClean="0"/>
+              <a:t>25</a:t>
+            </a:fld>
+            <a:endParaRPr lang="en-US" dirty="0"/>
+          </a:p>
+        </p:txBody>
+      </p:sp>
+    </p:spTree>
+    <p:extLst>
+      <p:ext uri="{BB962C8B-B14F-4D97-AF65-F5344CB8AC3E}">
+        <p14:creationId xmlns:p14="http://schemas.microsoft.com/office/powerpoint/2010/main" val="3464350924"/>
+      </p:ext>
+    </p:extLst>
+  </p:cSld>
+  <p:clrMapOvr>
+    <a:masterClrMapping/>
+  </p:clrMapOvr>
+  <p:timing>
+    <p:tnLst>
+      <p:par>
+        <p:cTn id="1" dur="indefinite" restart="never" nodeType="tmRoot"/>
+      </p:par>
+    </p:tnLst>
+  </p:timing>
+</p:sld>
+</file>
+
+<file path=ppt/slides/slide26.xml><?xml version="1.0" encoding="utf-8"?>
+<p:sld xmlns:a="http://schemas.openxmlformats.org/drawingml/2006/main" xmlns:r="http://schemas.openxmlformats.org/officeDocument/2006/relationships" xmlns:p="http://schemas.openxmlformats.org/presentationml/2006/main">
+  <p:cSld>
+    <p:spTree>
+      <p:nvGrpSpPr>
+        <p:cNvPr id="1" name=""/>
+        <p:cNvGrpSpPr/>
+        <p:nvPr/>
+      </p:nvGrpSpPr>
+      <p:grpSpPr>
+        <a:xfrm>
+          <a:off x="0" y="0"/>
+          <a:ext cx="0" cy="0"/>
+          <a:chOff x="0" y="0"/>
+          <a:chExt cx="0" cy="0"/>
+        </a:xfrm>
+      </p:grpSpPr>
+      <p:sp>
+        <p:nvSpPr>
+          <p:cNvPr id="2" name="Title 1"/>
+          <p:cNvSpPr>
+            <a:spLocks noGrp="1"/>
+          </p:cNvSpPr>
+          <p:nvPr>
+            <p:ph type="title"/>
+          </p:nvPr>
+        </p:nvSpPr>
+        <p:spPr/>
+        <p:txBody>
+          <a:bodyPr/>
+          <a:lstStyle/>
+          <a:p>
+            <a:r>
+              <a:rPr lang="en-US" dirty="0" smtClean="0"/>
+              <a:t>Video of Performance</a:t>
+            </a:r>
+            <a:endParaRPr lang="en-US" dirty="0"/>
+          </a:p>
+        </p:txBody>
+      </p:sp>
+      <p:sp>
+        <p:nvSpPr>
+          <p:cNvPr id="3" name="Content Placeholder 2"/>
+          <p:cNvSpPr>
+            <a:spLocks noGrp="1"/>
+          </p:cNvSpPr>
+          <p:nvPr>
+            <p:ph idx="1"/>
+          </p:nvPr>
+        </p:nvSpPr>
+        <p:spPr/>
+        <p:txBody>
+          <a:bodyPr/>
+          <a:lstStyle/>
+          <a:p>
+            <a:endParaRPr lang="en-US"/>
+          </a:p>
+        </p:txBody>
+      </p:sp>
+      <p:sp>
+        <p:nvSpPr>
+          <p:cNvPr id="4" name="Slide Number Placeholder 3"/>
+          <p:cNvSpPr>
+            <a:spLocks noGrp="1"/>
+          </p:cNvSpPr>
+          <p:nvPr>
+            <p:ph type="sldNum" sz="quarter" idx="12"/>
+          </p:nvPr>
+        </p:nvSpPr>
+        <p:spPr/>
+        <p:txBody>
+          <a:bodyPr/>
+          <a:lstStyle/>
+          <a:p>
+            <a:fld id="{D57F1E4F-1CFF-5643-939E-02111984F565}" type="slidenum">
+              <a:rPr lang="en-US" smtClean="0"/>
+              <a:t>26</a:t>
+            </a:fld>
+            <a:endParaRPr lang="en-US" dirty="0"/>
+          </a:p>
+        </p:txBody>
+      </p:sp>
+    </p:spTree>
+    <p:extLst>
+      <p:ext uri="{BB962C8B-B14F-4D97-AF65-F5344CB8AC3E}">
+        <p14:creationId xmlns:p14="http://schemas.microsoft.com/office/powerpoint/2010/main" val="3116858452"/>
+      </p:ext>
+    </p:extLst>
+  </p:cSld>
+  <p:clrMapOvr>
+    <a:masterClrMapping/>
+  </p:clrMapOvr>
+  <p:timing>
+    <p:tnLst>
+      <p:par>
+        <p:cTn id="1" dur="indefinite" restart="never" nodeType="tmRoot"/>
+      </p:par>
+    </p:tnLst>
+  </p:timing>
+</p:sld>
+</file>
+
+<file path=ppt/slides/slide27.xml><?xml version="1.0" encoding="utf-8"?>
+<p:sld xmlns:a="http://schemas.openxmlformats.org/drawingml/2006/main" xmlns:r="http://schemas.openxmlformats.org/officeDocument/2006/relationships" xmlns:p="http://schemas.openxmlformats.org/presentationml/2006/main">
+  <p:cSld>
+    <p:spTree>
+      <p:nvGrpSpPr>
+        <p:cNvPr id="1" name=""/>
+        <p:cNvGrpSpPr/>
+        <p:nvPr/>
+      </p:nvGrpSpPr>
+      <p:grpSpPr>
+        <a:xfrm>
+          <a:off x="0" y="0"/>
+          <a:ext cx="0" cy="0"/>
+          <a:chOff x="0" y="0"/>
+          <a:chExt cx="0" cy="0"/>
+        </a:xfrm>
+      </p:grpSpPr>
+      <p:sp>
+        <p:nvSpPr>
+          <p:cNvPr id="2" name="Title 1"/>
+          <p:cNvSpPr>
+            <a:spLocks noGrp="1"/>
+          </p:cNvSpPr>
+          <p:nvPr>
+            <p:ph type="title"/>
+          </p:nvPr>
+        </p:nvSpPr>
+        <p:spPr/>
+        <p:txBody>
+          <a:bodyPr/>
+          <a:lstStyle/>
+          <a:p>
+            <a:r>
+              <a:rPr lang="en-US" dirty="0" smtClean="0"/>
               <a:t>Semester Re-cap</a:t>
             </a:r>
             <a:endParaRPr lang="en-US" dirty="0"/>
@@ -8624,7 +8944,7 @@
           <a:p>
             <a:fld id="{D57F1E4F-1CFF-5643-939E-02111984F565}" type="slidenum">
               <a:rPr lang="en-US" smtClean="0"/>
-              <a:t>25</a:t>
+              <a:t>27</a:t>
             </a:fld>
             <a:endParaRPr lang="en-US" dirty="0"/>
           </a:p>
@@ -8692,25 +9012,6 @@
       </p:sp>
       <p:sp>
         <p:nvSpPr>
-          <p:cNvPr id="3" name="Content Placeholder 2"/>
-          <p:cNvSpPr>
-            <a:spLocks noGrp="1"/>
-          </p:cNvSpPr>
-          <p:nvPr>
-            <p:ph idx="1"/>
-          </p:nvPr>
-        </p:nvSpPr>
-        <p:spPr/>
-        <p:txBody>
-          <a:bodyPr/>
-          <a:lstStyle/>
-          <a:p>
-            <a:endParaRPr lang="en-US"/>
-          </a:p>
-        </p:txBody>
-      </p:sp>
-      <p:sp>
-        <p:nvSpPr>
           <p:cNvPr id="4" name="Slide Number Placeholder 3"/>
           <p:cNvSpPr>
             <a:spLocks noGrp="1"/>
@@ -8732,6 +9033,43 @@
           </a:p>
         </p:txBody>
       </p:sp>
+      <p:pic>
+        <p:nvPicPr>
+          <p:cNvPr id="5" name="Content Placeholder 4" descr="https://lh5.googleusercontent.com/KJvPnxcY1do6M74tBGmk2nknNVCVeYjaASsU87sI99O0zxYxozK3ndMdZyD4thGWkhEKEb5CTp0pwexxUM-zBaHIiuFpK80LN9CVsO9meQmvOYvnI7uVV67avZOaFk5XL28cgn2VGaU"/>
+          <p:cNvPicPr>
+            <a:picLocks noGrp="1"/>
+          </p:cNvPicPr>
+          <p:nvPr>
+            <p:ph idx="1"/>
+          </p:nvPr>
+        </p:nvPicPr>
+        <p:blipFill>
+          <a:blip r:embed="rId2">
+            <a:extLst>
+              <a:ext uri="{28A0092B-C50C-407E-A947-70E740481C1C}">
+                <a14:useLocalDpi xmlns:a14="http://schemas.microsoft.com/office/drawing/2010/main" val="0"/>
+              </a:ext>
+            </a:extLst>
+          </a:blip>
+          <a:srcRect/>
+          <a:stretch>
+            <a:fillRect/>
+          </a:stretch>
+        </p:blipFill>
+        <p:spPr bwMode="auto">
+          <a:xfrm>
+            <a:off x="871085" y="1540042"/>
+            <a:ext cx="9846645" cy="4966636"/>
+          </a:xfrm>
+          <a:prstGeom prst="rect">
+            <a:avLst/>
+          </a:prstGeom>
+          <a:noFill/>
+          <a:ln>
+            <a:noFill/>
+          </a:ln>
+        </p:spPr>
+      </p:pic>
     </p:spTree>
     <p:extLst>
       <p:ext uri="{BB962C8B-B14F-4D97-AF65-F5344CB8AC3E}">
@@ -8786,7 +9124,7 @@
           <a:p>
             <a:r>
               <a:rPr lang="en-US" dirty="0" smtClean="0"/>
-              <a:t>Design Solution</a:t>
+              <a:t>Timeline</a:t>
             </a:r>
             <a:endParaRPr lang="en-US" dirty="0"/>
           </a:p>
@@ -8809,18 +9147,39 @@
           <a:p>
             <a:r>
               <a:rPr lang="en-US" dirty="0" smtClean="0"/>
-              <a:t>Process</a:t>
-            </a:r>
-          </a:p>
-          <a:p>
-            <a:pPr lvl="1"/>
-            <a:endParaRPr lang="en-US" dirty="0"/>
-          </a:p>
-        </p:txBody>
-      </p:sp>
-      <p:sp>
-        <p:nvSpPr>
-          <p:cNvPr id="5" name="Slide Number Placeholder 4"/>
+              <a:t>18 September 2014 – Preliminary Requirements</a:t>
+            </a:r>
+          </a:p>
+          <a:p>
+            <a:r>
+              <a:rPr lang="en-US" dirty="0" smtClean="0"/>
+              <a:t>10 October 2014 – Preliminary Budget</a:t>
+            </a:r>
+          </a:p>
+          <a:p>
+            <a:r>
+              <a:rPr lang="en-US" dirty="0" smtClean="0"/>
+              <a:t>18 November 2014 – Integrated Prototype</a:t>
+            </a:r>
+          </a:p>
+          <a:p>
+            <a:r>
+              <a:rPr lang="en-US" dirty="0" smtClean="0"/>
+              <a:t>25 November 2014 – Revised Requirements</a:t>
+            </a:r>
+          </a:p>
+          <a:p>
+            <a:r>
+              <a:rPr lang="en-US" dirty="0" smtClean="0"/>
+              <a:t>12 December 2014 – Preliminary Design Document</a:t>
+            </a:r>
+            <a:endParaRPr lang="en-US" dirty="0"/>
+          </a:p>
+        </p:txBody>
+      </p:sp>
+      <p:sp>
+        <p:nvSpPr>
+          <p:cNvPr id="4" name="Slide Number Placeholder 3"/>
           <p:cNvSpPr>
             <a:spLocks noGrp="1"/>
           </p:cNvSpPr>
@@ -8844,7 +9203,7 @@
     </p:spTree>
     <p:extLst>
       <p:ext uri="{BB962C8B-B14F-4D97-AF65-F5344CB8AC3E}">
-        <p14:creationId xmlns:p14="http://schemas.microsoft.com/office/powerpoint/2010/main" val="3216439125"/>
+        <p14:creationId xmlns:p14="http://schemas.microsoft.com/office/powerpoint/2010/main" val="1148553207"/>
       </p:ext>
     </p:extLst>
   </p:cSld>
@@ -8895,47 +9254,44 @@
           <a:p>
             <a:r>
               <a:rPr lang="en-US" dirty="0" smtClean="0"/>
-              <a:t>System Architecture</a:t>
-            </a:r>
-            <a:endParaRPr lang="en-US" dirty="0"/>
-          </a:p>
-        </p:txBody>
-      </p:sp>
-      <p:pic>
-        <p:nvPicPr>
-          <p:cNvPr id="4" name="Content Placeholder 3"/>
-          <p:cNvPicPr>
-            <a:picLocks noGrp="1"/>
-          </p:cNvPicPr>
+              <a:t>Budget</a:t>
+            </a:r>
+            <a:endParaRPr lang="en-US" dirty="0"/>
+          </a:p>
+        </p:txBody>
+      </p:sp>
+      <p:sp>
+        <p:nvSpPr>
+          <p:cNvPr id="3" name="Content Placeholder 2"/>
+          <p:cNvSpPr>
+            <a:spLocks noGrp="1"/>
+          </p:cNvSpPr>
           <p:nvPr>
             <p:ph idx="1"/>
           </p:nvPr>
-        </p:nvPicPr>
-        <p:blipFill>
-          <a:blip r:embed="rId2">
-            <a:extLst>
-              <a:ext uri="{28A0092B-C50C-407E-A947-70E740481C1C}">
-                <a14:useLocalDpi xmlns:a14="http://schemas.microsoft.com/office/drawing/2010/main" val="0"/>
-              </a:ext>
-            </a:extLst>
-          </a:blip>
-          <a:stretch>
-            <a:fillRect/>
-          </a:stretch>
-        </p:blipFill>
-        <p:spPr>
-          <a:xfrm>
-            <a:off x="1764118" y="2052638"/>
-            <a:ext cx="7625540" cy="4195762"/>
-          </a:xfrm>
-          <a:prstGeom prst="rect">
-            <a:avLst/>
-          </a:prstGeom>
-        </p:spPr>
-      </p:pic>
-      <p:sp>
-        <p:nvSpPr>
-          <p:cNvPr id="5" name="Slide Number Placeholder 4"/>
+        </p:nvSpPr>
+        <p:spPr/>
+        <p:txBody>
+          <a:bodyPr/>
+          <a:lstStyle/>
+          <a:p>
+            <a:r>
+              <a:rPr lang="en-US" dirty="0" smtClean="0"/>
+              <a:t>Proposed budget: $654.52</a:t>
+            </a:r>
+          </a:p>
+          <a:p>
+            <a:r>
+              <a:rPr lang="en-US" dirty="0" smtClean="0"/>
+              <a:t>Total spent: $560.21</a:t>
+            </a:r>
+            <a:endParaRPr lang="en-US" dirty="0"/>
+          </a:p>
+        </p:txBody>
+      </p:sp>
+      <p:sp>
+        <p:nvSpPr>
+          <p:cNvPr id="4" name="Slide Number Placeholder 3"/>
           <p:cNvSpPr>
             <a:spLocks noGrp="1"/>
           </p:cNvSpPr>
@@ -8959,7 +9315,7 @@
     </p:spTree>
     <p:extLst>
       <p:ext uri="{BB962C8B-B14F-4D97-AF65-F5344CB8AC3E}">
-        <p14:creationId xmlns:p14="http://schemas.microsoft.com/office/powerpoint/2010/main" val="1266753161"/>
+        <p14:creationId xmlns:p14="http://schemas.microsoft.com/office/powerpoint/2010/main" val="1361494909"/>
       </p:ext>
     </p:extLst>
   </p:cSld>
@@ -9010,7 +9366,7 @@
           <a:p>
             <a:r>
               <a:rPr lang="en-US" dirty="0" smtClean="0"/>
-              <a:t>Design Considerations</a:t>
+              <a:t>Design Solution</a:t>
             </a:r>
             <a:endParaRPr lang="en-US" dirty="0"/>
           </a:p>
@@ -9033,68 +9389,50 @@
           <a:p>
             <a:r>
               <a:rPr lang="en-US" dirty="0" smtClean="0"/>
-              <a:t>Assumptions and dependencies</a:t>
+              <a:t>Process</a:t>
             </a:r>
           </a:p>
           <a:p>
             <a:pPr lvl="1"/>
             <a:r>
               <a:rPr lang="en-US" dirty="0" smtClean="0"/>
-              <a:t>A</a:t>
+              <a:t>Identify when light in starting area goes out</a:t>
             </a:r>
           </a:p>
           <a:p>
             <a:pPr lvl="1"/>
             <a:r>
               <a:rPr lang="en-US" dirty="0" smtClean="0"/>
-              <a:t>A</a:t>
-            </a:r>
-          </a:p>
-          <a:p>
+              <a:t>Line follow to first challenge</a:t>
+            </a:r>
+          </a:p>
+          <a:p>
+            <a:pPr lvl="1"/>
             <a:r>
               <a:rPr lang="en-US" dirty="0" smtClean="0"/>
-              <a:t>General Constraints</a:t>
+              <a:t>Complete challenge</a:t>
             </a:r>
           </a:p>
           <a:p>
             <a:pPr lvl="1"/>
             <a:r>
               <a:rPr lang="en-US" dirty="0" smtClean="0"/>
-              <a:t>A</a:t>
+              <a:t>Line follow to second, third and fourth challenges, completing each</a:t>
             </a:r>
           </a:p>
           <a:p>
             <a:pPr lvl="1"/>
             <a:r>
               <a:rPr lang="en-US" dirty="0" smtClean="0"/>
-              <a:t>A</a:t>
-            </a:r>
-          </a:p>
-          <a:p>
-            <a:r>
-              <a:rPr lang="en-US" dirty="0" smtClean="0"/>
-              <a:t>Safety Constraints and Considerations</a:t>
-            </a:r>
-          </a:p>
-          <a:p>
-            <a:pPr lvl="1"/>
-            <a:r>
-              <a:rPr lang="en-US" dirty="0" smtClean="0"/>
-              <a:t>A</a:t>
-            </a:r>
-          </a:p>
-          <a:p>
-            <a:pPr lvl="1"/>
-            <a:r>
-              <a:rPr lang="en-US" dirty="0"/>
-              <a:t>A</a:t>
-            </a:r>
-          </a:p>
-        </p:txBody>
-      </p:sp>
-      <p:sp>
-        <p:nvSpPr>
-          <p:cNvPr id="4" name="Slide Number Placeholder 3"/>
+              <a:t>Cross finish line</a:t>
+            </a:r>
+            <a:endParaRPr lang="en-US" dirty="0"/>
+          </a:p>
+        </p:txBody>
+      </p:sp>
+      <p:sp>
+        <p:nvSpPr>
+          <p:cNvPr id="5" name="Slide Number Placeholder 4"/>
           <p:cNvSpPr>
             <a:spLocks noGrp="1"/>
           </p:cNvSpPr>
@@ -9118,7 +9456,7 @@
     </p:spTree>
     <p:extLst>
       <p:ext uri="{BB962C8B-B14F-4D97-AF65-F5344CB8AC3E}">
-        <p14:creationId xmlns:p14="http://schemas.microsoft.com/office/powerpoint/2010/main" val="1513242627"/>
+        <p14:creationId xmlns:p14="http://schemas.microsoft.com/office/powerpoint/2010/main" val="3216439125"/>
       </p:ext>
     </p:extLst>
   </p:cSld>
@@ -9169,71 +9507,47 @@
           <a:p>
             <a:r>
               <a:rPr lang="en-US" dirty="0" smtClean="0"/>
-              <a:t>Subsystems</a:t>
-            </a:r>
-            <a:endParaRPr lang="en-US" dirty="0"/>
-          </a:p>
-        </p:txBody>
-      </p:sp>
-      <p:sp>
-        <p:nvSpPr>
-          <p:cNvPr id="3" name="Content Placeholder 2"/>
-          <p:cNvSpPr>
-            <a:spLocks noGrp="1"/>
-          </p:cNvSpPr>
+              <a:t>System Architecture</a:t>
+            </a:r>
+            <a:endParaRPr lang="en-US" dirty="0"/>
+          </a:p>
+        </p:txBody>
+      </p:sp>
+      <p:pic>
+        <p:nvPicPr>
+          <p:cNvPr id="4" name="Content Placeholder 3"/>
+          <p:cNvPicPr>
+            <a:picLocks noGrp="1"/>
+          </p:cNvPicPr>
           <p:nvPr>
             <p:ph idx="1"/>
           </p:nvPr>
-        </p:nvSpPr>
-        <p:spPr/>
-        <p:txBody>
-          <a:bodyPr/>
-          <a:lstStyle/>
-          <a:p>
-            <a:r>
-              <a:rPr lang="en-US" dirty="0" smtClean="0"/>
-              <a:t>Coordination Subsystem</a:t>
-            </a:r>
-          </a:p>
-          <a:p>
-            <a:pPr lvl="1"/>
-            <a:r>
-              <a:rPr lang="en-US" dirty="0" smtClean="0"/>
-              <a:t>Blurb</a:t>
-            </a:r>
-          </a:p>
-          <a:p>
-            <a:r>
-              <a:rPr lang="en-US" dirty="0" smtClean="0"/>
-              <a:t>Movement Subsystem</a:t>
-            </a:r>
-          </a:p>
-          <a:p>
-            <a:pPr lvl="1"/>
-            <a:r>
-              <a:rPr lang="en-US" dirty="0" smtClean="0"/>
-              <a:t>Blurb</a:t>
-            </a:r>
-          </a:p>
-          <a:p>
-            <a:r>
-              <a:rPr lang="en-US" dirty="0" smtClean="0"/>
-              <a:t>Challenge Subsystem</a:t>
-            </a:r>
-          </a:p>
-          <a:p>
-            <a:pPr lvl="1"/>
-            <a:r>
-              <a:rPr lang="en-US" dirty="0" smtClean="0"/>
-              <a:t>Blurb</a:t>
-            </a:r>
-            <a:endParaRPr lang="en-US" dirty="0"/>
-          </a:p>
-        </p:txBody>
-      </p:sp>
-      <p:sp>
-        <p:nvSpPr>
-          <p:cNvPr id="4" name="Slide Number Placeholder 3"/>
+        </p:nvPicPr>
+        <p:blipFill>
+          <a:blip r:embed="rId2">
+            <a:extLst>
+              <a:ext uri="{28A0092B-C50C-407E-A947-70E740481C1C}">
+                <a14:useLocalDpi xmlns:a14="http://schemas.microsoft.com/office/drawing/2010/main" val="0"/>
+              </a:ext>
+            </a:extLst>
+          </a:blip>
+          <a:stretch>
+            <a:fillRect/>
+          </a:stretch>
+        </p:blipFill>
+        <p:spPr>
+          <a:xfrm>
+            <a:off x="1764118" y="2052638"/>
+            <a:ext cx="7625540" cy="4195762"/>
+          </a:xfrm>
+          <a:prstGeom prst="rect">
+            <a:avLst/>
+          </a:prstGeom>
+        </p:spPr>
+      </p:pic>
+      <p:sp>
+        <p:nvSpPr>
+          <p:cNvPr id="5" name="Slide Number Placeholder 4"/>
           <p:cNvSpPr>
             <a:spLocks noGrp="1"/>
           </p:cNvSpPr>
@@ -9257,7 +9571,7 @@
     </p:spTree>
     <p:extLst>
       <p:ext uri="{BB962C8B-B14F-4D97-AF65-F5344CB8AC3E}">
-        <p14:creationId xmlns:p14="http://schemas.microsoft.com/office/powerpoint/2010/main" val="3283276215"/>
+        <p14:creationId xmlns:p14="http://schemas.microsoft.com/office/powerpoint/2010/main" val="1266753161"/>
       </p:ext>
     </p:extLst>
   </p:cSld>
@@ -9308,7 +9622,7 @@
           <a:p>
             <a:r>
               <a:rPr lang="en-US" dirty="0" smtClean="0"/>
-              <a:t>Coordination Subsystem</a:t>
+              <a:t>Design Considerations</a:t>
             </a:r>
             <a:endParaRPr lang="en-US" dirty="0"/>
           </a:p>
@@ -9321,7 +9635,7 @@
             <a:spLocks noGrp="1"/>
           </p:cNvSpPr>
           <p:nvPr>
-            <p:ph sz="half" idx="1"/>
+            <p:ph idx="1"/>
           </p:nvPr>
         </p:nvSpPr>
         <p:spPr/>
@@ -9331,53 +9645,79 @@
           <a:p>
             <a:r>
               <a:rPr lang="en-US" dirty="0" smtClean="0"/>
-              <a:t>Purpose and responsibilities</a:t>
-            </a:r>
-          </a:p>
-          <a:p>
+              <a:t>Assumptions and dependencies</a:t>
+            </a:r>
+          </a:p>
+          <a:p>
+            <a:pPr lvl="1"/>
+            <a:r>
+              <a:rPr lang="en-US" dirty="0" smtClean="0"/>
+              <a:t>Operation</a:t>
+            </a:r>
+            <a:endParaRPr lang="en-US" dirty="0" smtClean="0"/>
+          </a:p>
+          <a:p>
+            <a:pPr lvl="1"/>
+            <a:r>
+              <a:rPr lang="en-US" dirty="0" smtClean="0"/>
+              <a:t>Rule changes</a:t>
+            </a:r>
+            <a:endParaRPr lang="en-US" dirty="0" smtClean="0"/>
+          </a:p>
+          <a:p>
+            <a:r>
+              <a:rPr lang="en-US" dirty="0" smtClean="0"/>
+              <a:t>General </a:t>
+            </a:r>
             <a:r>
               <a:rPr lang="en-US" dirty="0" smtClean="0"/>
               <a:t>Constraints</a:t>
             </a:r>
-            <a:endParaRPr lang="en-US" dirty="0"/>
-          </a:p>
-        </p:txBody>
-      </p:sp>
-      <p:pic>
-        <p:nvPicPr>
-          <p:cNvPr id="5" name="Content Placeholder 4"/>
-          <p:cNvPicPr>
-            <a:picLocks noGrp="1"/>
-          </p:cNvPicPr>
-          <p:nvPr>
-            <p:ph sz="half" idx="2"/>
-          </p:nvPr>
-        </p:nvPicPr>
-        <p:blipFill>
-          <a:blip r:embed="rId2">
-            <a:extLst>
-              <a:ext uri="{28A0092B-C50C-407E-A947-70E740481C1C}">
-                <a14:useLocalDpi xmlns:a14="http://schemas.microsoft.com/office/drawing/2010/main" val="0"/>
-              </a:ext>
-            </a:extLst>
-          </a:blip>
-          <a:stretch>
-            <a:fillRect/>
-          </a:stretch>
-        </p:blipFill>
-        <p:spPr>
-          <a:xfrm>
-            <a:off x="5733679" y="2055813"/>
-            <a:ext cx="4237780" cy="4200525"/>
-          </a:xfrm>
-          <a:prstGeom prst="rect">
-            <a:avLst/>
-          </a:prstGeom>
-        </p:spPr>
-      </p:pic>
-      <p:sp>
-        <p:nvSpPr>
-          <p:cNvPr id="6" name="Slide Number Placeholder 5"/>
+            <a:endParaRPr lang="en-US" dirty="0" smtClean="0"/>
+          </a:p>
+          <a:p>
+            <a:pPr lvl="1"/>
+            <a:r>
+              <a:rPr lang="en-US" dirty="0" smtClean="0"/>
+              <a:t>Size</a:t>
+            </a:r>
+            <a:endParaRPr lang="en-US" dirty="0" smtClean="0"/>
+          </a:p>
+          <a:p>
+            <a:pPr lvl="1"/>
+            <a:r>
+              <a:rPr lang="en-US" dirty="0" smtClean="0"/>
+              <a:t>Power consumption</a:t>
+            </a:r>
+            <a:endParaRPr lang="en-US" dirty="0" smtClean="0"/>
+          </a:p>
+          <a:p>
+            <a:r>
+              <a:rPr lang="en-US" dirty="0" smtClean="0"/>
+              <a:t>Safety Constraints and Considerations</a:t>
+            </a:r>
+          </a:p>
+          <a:p>
+            <a:pPr lvl="1"/>
+            <a:r>
+              <a:rPr lang="en-US" dirty="0" smtClean="0"/>
+              <a:t>Electrical hazards</a:t>
+            </a:r>
+            <a:endParaRPr lang="en-US" dirty="0" smtClean="0"/>
+          </a:p>
+          <a:p>
+            <a:pPr lvl="1"/>
+            <a:r>
+              <a:rPr lang="en-US" dirty="0" smtClean="0"/>
+              <a:t>System heating</a:t>
+            </a:r>
+            <a:endParaRPr lang="en-US" dirty="0"/>
+          </a:p>
+        </p:txBody>
+      </p:sp>
+      <p:sp>
+        <p:nvSpPr>
+          <p:cNvPr id="4" name="Slide Number Placeholder 3"/>
           <p:cNvSpPr>
             <a:spLocks noGrp="1"/>
           </p:cNvSpPr>
@@ -9401,7 +9741,7 @@
     </p:spTree>
     <p:extLst>
       <p:ext uri="{BB962C8B-B14F-4D97-AF65-F5344CB8AC3E}">
-        <p14:creationId xmlns:p14="http://schemas.microsoft.com/office/powerpoint/2010/main" val="84178271"/>
+        <p14:creationId xmlns:p14="http://schemas.microsoft.com/office/powerpoint/2010/main" val="1513242627"/>
       </p:ext>
     </p:extLst>
   </p:cSld>
@@ -9452,47 +9792,80 @@
           <a:p>
             <a:r>
               <a:rPr lang="en-US" dirty="0" smtClean="0"/>
-              <a:t>Functional Diagram</a:t>
-            </a:r>
-            <a:endParaRPr lang="en-US" dirty="0"/>
-          </a:p>
-        </p:txBody>
-      </p:sp>
-      <p:pic>
-        <p:nvPicPr>
-          <p:cNvPr id="6" name="Content Placeholder 5"/>
-          <p:cNvPicPr>
-            <a:picLocks noGrp="1"/>
-          </p:cNvPicPr>
+              <a:t>Subsystems</a:t>
+            </a:r>
+            <a:endParaRPr lang="en-US" dirty="0"/>
+          </a:p>
+        </p:txBody>
+      </p:sp>
+      <p:sp>
+        <p:nvSpPr>
+          <p:cNvPr id="3" name="Content Placeholder 2"/>
+          <p:cNvSpPr>
+            <a:spLocks noGrp="1"/>
+          </p:cNvSpPr>
           <p:nvPr>
             <p:ph idx="1"/>
           </p:nvPr>
-        </p:nvPicPr>
-        <p:blipFill>
-          <a:blip r:embed="rId2">
-            <a:extLst>
-              <a:ext uri="{28A0092B-C50C-407E-A947-70E740481C1C}">
-                <a14:useLocalDpi xmlns:a14="http://schemas.microsoft.com/office/drawing/2010/main" val="0"/>
-              </a:ext>
-            </a:extLst>
-          </a:blip>
-          <a:stretch>
-            <a:fillRect/>
-          </a:stretch>
-        </p:blipFill>
-        <p:spPr>
-          <a:xfrm>
-            <a:off x="2019631" y="1152983"/>
-            <a:ext cx="7164125" cy="5613577"/>
-          </a:xfrm>
-          <a:prstGeom prst="rect">
-            <a:avLst/>
-          </a:prstGeom>
-        </p:spPr>
-      </p:pic>
-      <p:sp>
-        <p:nvSpPr>
-          <p:cNvPr id="7" name="Slide Number Placeholder 6"/>
+        </p:nvSpPr>
+        <p:spPr/>
+        <p:txBody>
+          <a:bodyPr/>
+          <a:lstStyle/>
+          <a:p>
+            <a:r>
+              <a:rPr lang="en-US" dirty="0" smtClean="0"/>
+              <a:t>Coordination Subsystem</a:t>
+            </a:r>
+          </a:p>
+          <a:p>
+            <a:pPr lvl="1"/>
+            <a:r>
+              <a:rPr lang="en-US" dirty="0" smtClean="0"/>
+              <a:t>Reads input from sensors</a:t>
+            </a:r>
+          </a:p>
+          <a:p>
+            <a:pPr lvl="1"/>
+            <a:r>
+              <a:rPr lang="en-US" dirty="0" smtClean="0"/>
+              <a:t>Directs other subsystems</a:t>
+            </a:r>
+            <a:endParaRPr lang="en-US" dirty="0" smtClean="0"/>
+          </a:p>
+          <a:p>
+            <a:r>
+              <a:rPr lang="en-US" dirty="0" smtClean="0"/>
+              <a:t>Movement Subsystem</a:t>
+            </a:r>
+          </a:p>
+          <a:p>
+            <a:pPr lvl="1"/>
+            <a:r>
+              <a:rPr lang="en-US" dirty="0" smtClean="0"/>
+              <a:t>Contains all components responsible for moving system</a:t>
+            </a:r>
+            <a:endParaRPr lang="en-US" dirty="0" smtClean="0"/>
+          </a:p>
+          <a:p>
+            <a:r>
+              <a:rPr lang="en-US" dirty="0" smtClean="0"/>
+              <a:t>Challenge Subsystem</a:t>
+            </a:r>
+          </a:p>
+          <a:p>
+            <a:pPr lvl="1"/>
+            <a:r>
+              <a:rPr lang="en-US" dirty="0" smtClean="0"/>
+              <a:t>Contains all components responsible for completing challenges</a:t>
+            </a:r>
+            <a:endParaRPr lang="en-US" dirty="0"/>
+          </a:p>
+        </p:txBody>
+      </p:sp>
+      <p:sp>
+        <p:nvSpPr>
+          <p:cNvPr id="4" name="Slide Number Placeholder 3"/>
           <p:cNvSpPr>
             <a:spLocks noGrp="1"/>
           </p:cNvSpPr>
@@ -9516,7 +9889,7 @@
     </p:spTree>
     <p:extLst>
       <p:ext uri="{BB962C8B-B14F-4D97-AF65-F5344CB8AC3E}">
-        <p14:creationId xmlns:p14="http://schemas.microsoft.com/office/powerpoint/2010/main" val="2333198588"/>
+        <p14:creationId xmlns:p14="http://schemas.microsoft.com/office/powerpoint/2010/main" val="3283276215"/>
       </p:ext>
     </p:extLst>
   </p:cSld>
